--- a/Lectures/OHSI_DataAnalytics_LookingAtData_R_Git.pptx
+++ b/Lectures/OHSI_DataAnalytics_LookingAtData_R_Git.pptx
@@ -7,7 +7,7 @@
     <p:sldMasterId id="2147483676" r:id="rId3"/>
   </p:sldMasterIdLst>
   <p:notesMasterIdLst>
-    <p:notesMasterId r:id="rId25"/>
+    <p:notesMasterId r:id="rId34"/>
   </p:notesMasterIdLst>
   <p:sldIdLst>
     <p:sldId id="258" r:id="rId4"/>
@@ -30,7 +30,16 @@
     <p:sldId id="340" r:id="rId21"/>
     <p:sldId id="337" r:id="rId22"/>
     <p:sldId id="341" r:id="rId23"/>
-    <p:sldId id="347" r:id="rId24"/>
+    <p:sldId id="350" r:id="rId24"/>
+    <p:sldId id="351" r:id="rId25"/>
+    <p:sldId id="352" r:id="rId26"/>
+    <p:sldId id="353" r:id="rId27"/>
+    <p:sldId id="354" r:id="rId28"/>
+    <p:sldId id="355" r:id="rId29"/>
+    <p:sldId id="356" r:id="rId30"/>
+    <p:sldId id="357" r:id="rId31"/>
+    <p:sldId id="358" r:id="rId32"/>
+    <p:sldId id="347" r:id="rId33"/>
   </p:sldIdLst>
   <p:sldSz cx="12192000" cy="6858000"/>
   <p:notesSz cx="6858000" cy="9144000"/>
@@ -1117,6 +1126,594 @@
 </p:notes>
 </file>
 
+<file path=ppt/notesSlides/notesSlide13.xml><?xml version="1.0" encoding="utf-8"?>
+<p:notes xmlns:a="http://schemas.openxmlformats.org/drawingml/2006/main" xmlns:r="http://schemas.openxmlformats.org/officeDocument/2006/relationships" xmlns:p="http://schemas.openxmlformats.org/presentationml/2006/main">
+  <p:cSld>
+    <p:spTree>
+      <p:nvGrpSpPr>
+        <p:cNvPr id="1" name=""/>
+        <p:cNvGrpSpPr/>
+        <p:nvPr/>
+      </p:nvGrpSpPr>
+      <p:grpSpPr>
+        <a:xfrm>
+          <a:off x="0" y="0"/>
+          <a:ext cx="0" cy="0"/>
+          <a:chOff x="0" y="0"/>
+          <a:chExt cx="0" cy="0"/>
+        </a:xfrm>
+      </p:grpSpPr>
+      <p:sp>
+        <p:nvSpPr>
+          <p:cNvPr id="2" name="Slide Image Placeholder 1"/>
+          <p:cNvSpPr>
+            <a:spLocks noGrp="1" noRot="1" noChangeAspect="1"/>
+          </p:cNvSpPr>
+          <p:nvPr>
+            <p:ph type="sldImg"/>
+          </p:nvPr>
+        </p:nvSpPr>
+        <p:spPr/>
+      </p:sp>
+      <p:sp>
+        <p:nvSpPr>
+          <p:cNvPr id="3" name="Notes Placeholder 2"/>
+          <p:cNvSpPr>
+            <a:spLocks noGrp="1"/>
+          </p:cNvSpPr>
+          <p:nvPr>
+            <p:ph type="body" idx="1"/>
+          </p:nvPr>
+        </p:nvSpPr>
+        <p:spPr/>
+        <p:txBody>
+          <a:bodyPr/>
+          <a:lstStyle/>
+          <a:p>
+            <a:endParaRPr lang="en-US" dirty="0"/>
+          </a:p>
+        </p:txBody>
+      </p:sp>
+      <p:sp>
+        <p:nvSpPr>
+          <p:cNvPr id="4" name="Slide Number Placeholder 3"/>
+          <p:cNvSpPr>
+            <a:spLocks noGrp="1"/>
+          </p:cNvSpPr>
+          <p:nvPr>
+            <p:ph type="sldNum" sz="quarter" idx="5"/>
+          </p:nvPr>
+        </p:nvSpPr>
+        <p:spPr/>
+        <p:txBody>
+          <a:bodyPr/>
+          <a:lstStyle/>
+          <a:p>
+            <a:fld id="{9B6E1E70-E2F2-4144-A161-49AC7FF84EEE}" type="slidenum">
+              <a:rPr lang="en-US" smtClean="0"/>
+              <a:t>21</a:t>
+            </a:fld>
+            <a:endParaRPr lang="en-US"/>
+          </a:p>
+        </p:txBody>
+      </p:sp>
+    </p:spTree>
+    <p:extLst>
+      <p:ext uri="{BB962C8B-B14F-4D97-AF65-F5344CB8AC3E}">
+        <p14:creationId xmlns:p14="http://schemas.microsoft.com/office/powerpoint/2010/main" val="3188571510"/>
+      </p:ext>
+    </p:extLst>
+  </p:cSld>
+  <p:clrMapOvr>
+    <a:masterClrMapping/>
+  </p:clrMapOvr>
+</p:notes>
+</file>
+
+<file path=ppt/notesSlides/notesSlide14.xml><?xml version="1.0" encoding="utf-8"?>
+<p:notes xmlns:a="http://schemas.openxmlformats.org/drawingml/2006/main" xmlns:r="http://schemas.openxmlformats.org/officeDocument/2006/relationships" xmlns:p="http://schemas.openxmlformats.org/presentationml/2006/main">
+  <p:cSld>
+    <p:spTree>
+      <p:nvGrpSpPr>
+        <p:cNvPr id="1" name=""/>
+        <p:cNvGrpSpPr/>
+        <p:nvPr/>
+      </p:nvGrpSpPr>
+      <p:grpSpPr>
+        <a:xfrm>
+          <a:off x="0" y="0"/>
+          <a:ext cx="0" cy="0"/>
+          <a:chOff x="0" y="0"/>
+          <a:chExt cx="0" cy="0"/>
+        </a:xfrm>
+      </p:grpSpPr>
+      <p:sp>
+        <p:nvSpPr>
+          <p:cNvPr id="2" name="Slide Image Placeholder 1"/>
+          <p:cNvSpPr>
+            <a:spLocks noGrp="1" noRot="1" noChangeAspect="1"/>
+          </p:cNvSpPr>
+          <p:nvPr>
+            <p:ph type="sldImg"/>
+          </p:nvPr>
+        </p:nvSpPr>
+        <p:spPr/>
+      </p:sp>
+      <p:sp>
+        <p:nvSpPr>
+          <p:cNvPr id="3" name="Notes Placeholder 2"/>
+          <p:cNvSpPr>
+            <a:spLocks noGrp="1"/>
+          </p:cNvSpPr>
+          <p:nvPr>
+            <p:ph type="body" idx="1"/>
+          </p:nvPr>
+        </p:nvSpPr>
+        <p:spPr/>
+        <p:txBody>
+          <a:bodyPr/>
+          <a:lstStyle/>
+          <a:p>
+            <a:endParaRPr lang="en-US" dirty="0"/>
+          </a:p>
+        </p:txBody>
+      </p:sp>
+      <p:sp>
+        <p:nvSpPr>
+          <p:cNvPr id="4" name="Slide Number Placeholder 3"/>
+          <p:cNvSpPr>
+            <a:spLocks noGrp="1"/>
+          </p:cNvSpPr>
+          <p:nvPr>
+            <p:ph type="sldNum" sz="quarter" idx="5"/>
+          </p:nvPr>
+        </p:nvSpPr>
+        <p:spPr/>
+        <p:txBody>
+          <a:bodyPr/>
+          <a:lstStyle/>
+          <a:p>
+            <a:fld id="{9B6E1E70-E2F2-4144-A161-49AC7FF84EEE}" type="slidenum">
+              <a:rPr lang="en-US" smtClean="0"/>
+              <a:t>22</a:t>
+            </a:fld>
+            <a:endParaRPr lang="en-US"/>
+          </a:p>
+        </p:txBody>
+      </p:sp>
+    </p:spTree>
+    <p:extLst>
+      <p:ext uri="{BB962C8B-B14F-4D97-AF65-F5344CB8AC3E}">
+        <p14:creationId xmlns:p14="http://schemas.microsoft.com/office/powerpoint/2010/main" val="2862790352"/>
+      </p:ext>
+    </p:extLst>
+  </p:cSld>
+  <p:clrMapOvr>
+    <a:masterClrMapping/>
+  </p:clrMapOvr>
+</p:notes>
+</file>
+
+<file path=ppt/notesSlides/notesSlide15.xml><?xml version="1.0" encoding="utf-8"?>
+<p:notes xmlns:a="http://schemas.openxmlformats.org/drawingml/2006/main" xmlns:r="http://schemas.openxmlformats.org/officeDocument/2006/relationships" xmlns:p="http://schemas.openxmlformats.org/presentationml/2006/main">
+  <p:cSld>
+    <p:spTree>
+      <p:nvGrpSpPr>
+        <p:cNvPr id="1" name=""/>
+        <p:cNvGrpSpPr/>
+        <p:nvPr/>
+      </p:nvGrpSpPr>
+      <p:grpSpPr>
+        <a:xfrm>
+          <a:off x="0" y="0"/>
+          <a:ext cx="0" cy="0"/>
+          <a:chOff x="0" y="0"/>
+          <a:chExt cx="0" cy="0"/>
+        </a:xfrm>
+      </p:grpSpPr>
+      <p:sp>
+        <p:nvSpPr>
+          <p:cNvPr id="2" name="Slide Image Placeholder 1"/>
+          <p:cNvSpPr>
+            <a:spLocks noGrp="1" noRot="1" noChangeAspect="1"/>
+          </p:cNvSpPr>
+          <p:nvPr>
+            <p:ph type="sldImg"/>
+          </p:nvPr>
+        </p:nvSpPr>
+        <p:spPr/>
+      </p:sp>
+      <p:sp>
+        <p:nvSpPr>
+          <p:cNvPr id="3" name="Notes Placeholder 2"/>
+          <p:cNvSpPr>
+            <a:spLocks noGrp="1"/>
+          </p:cNvSpPr>
+          <p:nvPr>
+            <p:ph type="body" idx="1"/>
+          </p:nvPr>
+        </p:nvSpPr>
+        <p:spPr/>
+        <p:txBody>
+          <a:bodyPr/>
+          <a:lstStyle/>
+          <a:p>
+            <a:endParaRPr lang="en-US" dirty="0"/>
+          </a:p>
+        </p:txBody>
+      </p:sp>
+      <p:sp>
+        <p:nvSpPr>
+          <p:cNvPr id="4" name="Slide Number Placeholder 3"/>
+          <p:cNvSpPr>
+            <a:spLocks noGrp="1"/>
+          </p:cNvSpPr>
+          <p:nvPr>
+            <p:ph type="sldNum" sz="quarter" idx="5"/>
+          </p:nvPr>
+        </p:nvSpPr>
+        <p:spPr/>
+        <p:txBody>
+          <a:bodyPr/>
+          <a:lstStyle/>
+          <a:p>
+            <a:fld id="{9B6E1E70-E2F2-4144-A161-49AC7FF84EEE}" type="slidenum">
+              <a:rPr lang="en-US" smtClean="0"/>
+              <a:t>23</a:t>
+            </a:fld>
+            <a:endParaRPr lang="en-US"/>
+          </a:p>
+        </p:txBody>
+      </p:sp>
+    </p:spTree>
+    <p:extLst>
+      <p:ext uri="{BB962C8B-B14F-4D97-AF65-F5344CB8AC3E}">
+        <p14:creationId xmlns:p14="http://schemas.microsoft.com/office/powerpoint/2010/main" val="1078916092"/>
+      </p:ext>
+    </p:extLst>
+  </p:cSld>
+  <p:clrMapOvr>
+    <a:masterClrMapping/>
+  </p:clrMapOvr>
+</p:notes>
+</file>
+
+<file path=ppt/notesSlides/notesSlide16.xml><?xml version="1.0" encoding="utf-8"?>
+<p:notes xmlns:a="http://schemas.openxmlformats.org/drawingml/2006/main" xmlns:r="http://schemas.openxmlformats.org/officeDocument/2006/relationships" xmlns:p="http://schemas.openxmlformats.org/presentationml/2006/main">
+  <p:cSld>
+    <p:spTree>
+      <p:nvGrpSpPr>
+        <p:cNvPr id="1" name=""/>
+        <p:cNvGrpSpPr/>
+        <p:nvPr/>
+      </p:nvGrpSpPr>
+      <p:grpSpPr>
+        <a:xfrm>
+          <a:off x="0" y="0"/>
+          <a:ext cx="0" cy="0"/>
+          <a:chOff x="0" y="0"/>
+          <a:chExt cx="0" cy="0"/>
+        </a:xfrm>
+      </p:grpSpPr>
+      <p:sp>
+        <p:nvSpPr>
+          <p:cNvPr id="2" name="Slide Image Placeholder 1"/>
+          <p:cNvSpPr>
+            <a:spLocks noGrp="1" noRot="1" noChangeAspect="1"/>
+          </p:cNvSpPr>
+          <p:nvPr>
+            <p:ph type="sldImg"/>
+          </p:nvPr>
+        </p:nvSpPr>
+        <p:spPr/>
+      </p:sp>
+      <p:sp>
+        <p:nvSpPr>
+          <p:cNvPr id="3" name="Notes Placeholder 2"/>
+          <p:cNvSpPr>
+            <a:spLocks noGrp="1"/>
+          </p:cNvSpPr>
+          <p:nvPr>
+            <p:ph type="body" idx="1"/>
+          </p:nvPr>
+        </p:nvSpPr>
+        <p:spPr/>
+        <p:txBody>
+          <a:bodyPr/>
+          <a:lstStyle/>
+          <a:p>
+            <a:endParaRPr lang="en-US" dirty="0"/>
+          </a:p>
+        </p:txBody>
+      </p:sp>
+      <p:sp>
+        <p:nvSpPr>
+          <p:cNvPr id="4" name="Slide Number Placeholder 3"/>
+          <p:cNvSpPr>
+            <a:spLocks noGrp="1"/>
+          </p:cNvSpPr>
+          <p:nvPr>
+            <p:ph type="sldNum" sz="quarter" idx="5"/>
+          </p:nvPr>
+        </p:nvSpPr>
+        <p:spPr/>
+        <p:txBody>
+          <a:bodyPr/>
+          <a:lstStyle/>
+          <a:p>
+            <a:fld id="{9B6E1E70-E2F2-4144-A161-49AC7FF84EEE}" type="slidenum">
+              <a:rPr lang="en-US" smtClean="0"/>
+              <a:t>24</a:t>
+            </a:fld>
+            <a:endParaRPr lang="en-US"/>
+          </a:p>
+        </p:txBody>
+      </p:sp>
+    </p:spTree>
+    <p:extLst>
+      <p:ext uri="{BB962C8B-B14F-4D97-AF65-F5344CB8AC3E}">
+        <p14:creationId xmlns:p14="http://schemas.microsoft.com/office/powerpoint/2010/main" val="222324210"/>
+      </p:ext>
+    </p:extLst>
+  </p:cSld>
+  <p:clrMapOvr>
+    <a:masterClrMapping/>
+  </p:clrMapOvr>
+</p:notes>
+</file>
+
+<file path=ppt/notesSlides/notesSlide17.xml><?xml version="1.0" encoding="utf-8"?>
+<p:notes xmlns:a="http://schemas.openxmlformats.org/drawingml/2006/main" xmlns:r="http://schemas.openxmlformats.org/officeDocument/2006/relationships" xmlns:p="http://schemas.openxmlformats.org/presentationml/2006/main">
+  <p:cSld>
+    <p:spTree>
+      <p:nvGrpSpPr>
+        <p:cNvPr id="1" name=""/>
+        <p:cNvGrpSpPr/>
+        <p:nvPr/>
+      </p:nvGrpSpPr>
+      <p:grpSpPr>
+        <a:xfrm>
+          <a:off x="0" y="0"/>
+          <a:ext cx="0" cy="0"/>
+          <a:chOff x="0" y="0"/>
+          <a:chExt cx="0" cy="0"/>
+        </a:xfrm>
+      </p:grpSpPr>
+      <p:sp>
+        <p:nvSpPr>
+          <p:cNvPr id="2" name="Slide Image Placeholder 1"/>
+          <p:cNvSpPr>
+            <a:spLocks noGrp="1" noRot="1" noChangeAspect="1"/>
+          </p:cNvSpPr>
+          <p:nvPr>
+            <p:ph type="sldImg"/>
+          </p:nvPr>
+        </p:nvSpPr>
+        <p:spPr/>
+      </p:sp>
+      <p:sp>
+        <p:nvSpPr>
+          <p:cNvPr id="3" name="Notes Placeholder 2"/>
+          <p:cNvSpPr>
+            <a:spLocks noGrp="1"/>
+          </p:cNvSpPr>
+          <p:nvPr>
+            <p:ph type="body" idx="1"/>
+          </p:nvPr>
+        </p:nvSpPr>
+        <p:spPr/>
+        <p:txBody>
+          <a:bodyPr/>
+          <a:lstStyle/>
+          <a:p>
+            <a:endParaRPr lang="en-US" dirty="0"/>
+          </a:p>
+        </p:txBody>
+      </p:sp>
+      <p:sp>
+        <p:nvSpPr>
+          <p:cNvPr id="4" name="Slide Number Placeholder 3"/>
+          <p:cNvSpPr>
+            <a:spLocks noGrp="1"/>
+          </p:cNvSpPr>
+          <p:nvPr>
+            <p:ph type="sldNum" sz="quarter" idx="5"/>
+          </p:nvPr>
+        </p:nvSpPr>
+        <p:spPr/>
+        <p:txBody>
+          <a:bodyPr/>
+          <a:lstStyle/>
+          <a:p>
+            <a:fld id="{9B6E1E70-E2F2-4144-A161-49AC7FF84EEE}" type="slidenum">
+              <a:rPr lang="en-US" smtClean="0"/>
+              <a:t>25</a:t>
+            </a:fld>
+            <a:endParaRPr lang="en-US"/>
+          </a:p>
+        </p:txBody>
+      </p:sp>
+    </p:spTree>
+    <p:extLst>
+      <p:ext uri="{BB962C8B-B14F-4D97-AF65-F5344CB8AC3E}">
+        <p14:creationId xmlns:p14="http://schemas.microsoft.com/office/powerpoint/2010/main" val="3006213426"/>
+      </p:ext>
+    </p:extLst>
+  </p:cSld>
+  <p:clrMapOvr>
+    <a:masterClrMapping/>
+  </p:clrMapOvr>
+</p:notes>
+</file>
+
+<file path=ppt/notesSlides/notesSlide18.xml><?xml version="1.0" encoding="utf-8"?>
+<p:notes xmlns:a="http://schemas.openxmlformats.org/drawingml/2006/main" xmlns:r="http://schemas.openxmlformats.org/officeDocument/2006/relationships" xmlns:p="http://schemas.openxmlformats.org/presentationml/2006/main">
+  <p:cSld>
+    <p:spTree>
+      <p:nvGrpSpPr>
+        <p:cNvPr id="1" name=""/>
+        <p:cNvGrpSpPr/>
+        <p:nvPr/>
+      </p:nvGrpSpPr>
+      <p:grpSpPr>
+        <a:xfrm>
+          <a:off x="0" y="0"/>
+          <a:ext cx="0" cy="0"/>
+          <a:chOff x="0" y="0"/>
+          <a:chExt cx="0" cy="0"/>
+        </a:xfrm>
+      </p:grpSpPr>
+      <p:sp>
+        <p:nvSpPr>
+          <p:cNvPr id="2" name="Slide Image Placeholder 1"/>
+          <p:cNvSpPr>
+            <a:spLocks noGrp="1" noRot="1" noChangeAspect="1"/>
+          </p:cNvSpPr>
+          <p:nvPr>
+            <p:ph type="sldImg"/>
+          </p:nvPr>
+        </p:nvSpPr>
+        <p:spPr/>
+      </p:sp>
+      <p:sp>
+        <p:nvSpPr>
+          <p:cNvPr id="3" name="Notes Placeholder 2"/>
+          <p:cNvSpPr>
+            <a:spLocks noGrp="1"/>
+          </p:cNvSpPr>
+          <p:nvPr>
+            <p:ph type="body" idx="1"/>
+          </p:nvPr>
+        </p:nvSpPr>
+        <p:spPr/>
+        <p:txBody>
+          <a:bodyPr/>
+          <a:lstStyle/>
+          <a:p>
+            <a:endParaRPr lang="en-US" dirty="0"/>
+          </a:p>
+        </p:txBody>
+      </p:sp>
+      <p:sp>
+        <p:nvSpPr>
+          <p:cNvPr id="4" name="Slide Number Placeholder 3"/>
+          <p:cNvSpPr>
+            <a:spLocks noGrp="1"/>
+          </p:cNvSpPr>
+          <p:nvPr>
+            <p:ph type="sldNum" sz="quarter" idx="5"/>
+          </p:nvPr>
+        </p:nvSpPr>
+        <p:spPr/>
+        <p:txBody>
+          <a:bodyPr/>
+          <a:lstStyle/>
+          <a:p>
+            <a:fld id="{9B6E1E70-E2F2-4144-A161-49AC7FF84EEE}" type="slidenum">
+              <a:rPr lang="en-US" smtClean="0"/>
+              <a:t>26</a:t>
+            </a:fld>
+            <a:endParaRPr lang="en-US"/>
+          </a:p>
+        </p:txBody>
+      </p:sp>
+    </p:spTree>
+    <p:extLst>
+      <p:ext uri="{BB962C8B-B14F-4D97-AF65-F5344CB8AC3E}">
+        <p14:creationId xmlns:p14="http://schemas.microsoft.com/office/powerpoint/2010/main" val="1648436302"/>
+      </p:ext>
+    </p:extLst>
+  </p:cSld>
+  <p:clrMapOvr>
+    <a:masterClrMapping/>
+  </p:clrMapOvr>
+</p:notes>
+</file>
+
+<file path=ppt/notesSlides/notesSlide19.xml><?xml version="1.0" encoding="utf-8"?>
+<p:notes xmlns:a="http://schemas.openxmlformats.org/drawingml/2006/main" xmlns:r="http://schemas.openxmlformats.org/officeDocument/2006/relationships" xmlns:p="http://schemas.openxmlformats.org/presentationml/2006/main">
+  <p:cSld>
+    <p:spTree>
+      <p:nvGrpSpPr>
+        <p:cNvPr id="1" name=""/>
+        <p:cNvGrpSpPr/>
+        <p:nvPr/>
+      </p:nvGrpSpPr>
+      <p:grpSpPr>
+        <a:xfrm>
+          <a:off x="0" y="0"/>
+          <a:ext cx="0" cy="0"/>
+          <a:chOff x="0" y="0"/>
+          <a:chExt cx="0" cy="0"/>
+        </a:xfrm>
+      </p:grpSpPr>
+      <p:sp>
+        <p:nvSpPr>
+          <p:cNvPr id="2" name="Slide Image Placeholder 1"/>
+          <p:cNvSpPr>
+            <a:spLocks noGrp="1" noRot="1" noChangeAspect="1"/>
+          </p:cNvSpPr>
+          <p:nvPr>
+            <p:ph type="sldImg"/>
+          </p:nvPr>
+        </p:nvSpPr>
+        <p:spPr/>
+      </p:sp>
+      <p:sp>
+        <p:nvSpPr>
+          <p:cNvPr id="3" name="Notes Placeholder 2"/>
+          <p:cNvSpPr>
+            <a:spLocks noGrp="1"/>
+          </p:cNvSpPr>
+          <p:nvPr>
+            <p:ph type="body" idx="1"/>
+          </p:nvPr>
+        </p:nvSpPr>
+        <p:spPr/>
+        <p:txBody>
+          <a:bodyPr/>
+          <a:lstStyle/>
+          <a:p>
+            <a:endParaRPr lang="en-US" dirty="0"/>
+          </a:p>
+        </p:txBody>
+      </p:sp>
+      <p:sp>
+        <p:nvSpPr>
+          <p:cNvPr id="4" name="Slide Number Placeholder 3"/>
+          <p:cNvSpPr>
+            <a:spLocks noGrp="1"/>
+          </p:cNvSpPr>
+          <p:nvPr>
+            <p:ph type="sldNum" sz="quarter" idx="5"/>
+          </p:nvPr>
+        </p:nvSpPr>
+        <p:spPr/>
+        <p:txBody>
+          <a:bodyPr/>
+          <a:lstStyle/>
+          <a:p>
+            <a:fld id="{9B6E1E70-E2F2-4144-A161-49AC7FF84EEE}" type="slidenum">
+              <a:rPr lang="en-US" smtClean="0"/>
+              <a:t>27</a:t>
+            </a:fld>
+            <a:endParaRPr lang="en-US"/>
+          </a:p>
+        </p:txBody>
+      </p:sp>
+    </p:spTree>
+    <p:extLst>
+      <p:ext uri="{BB962C8B-B14F-4D97-AF65-F5344CB8AC3E}">
+        <p14:creationId xmlns:p14="http://schemas.microsoft.com/office/powerpoint/2010/main" val="513954626"/>
+      </p:ext>
+    </p:extLst>
+  </p:cSld>
+  <p:clrMapOvr>
+    <a:masterClrMapping/>
+  </p:clrMapOvr>
+</p:notes>
+</file>
+
 <file path=ppt/notesSlides/notesSlide2.xml><?xml version="1.0" encoding="utf-8"?>
 <p:notes xmlns:a="http://schemas.openxmlformats.org/drawingml/2006/main" xmlns:r="http://schemas.openxmlformats.org/officeDocument/2006/relationships" xmlns:p="http://schemas.openxmlformats.org/presentationml/2006/main">
   <p:cSld>
@@ -1463,6 +2060,90 @@
     <p:extLst>
       <p:ext uri="{BB962C8B-B14F-4D97-AF65-F5344CB8AC3E}">
         <p14:creationId xmlns:p14="http://schemas.microsoft.com/office/powerpoint/2010/main" val="608791376"/>
+      </p:ext>
+    </p:extLst>
+  </p:cSld>
+  <p:clrMapOvr>
+    <a:masterClrMapping/>
+  </p:clrMapOvr>
+</p:notes>
+</file>
+
+<file path=ppt/notesSlides/notesSlide20.xml><?xml version="1.0" encoding="utf-8"?>
+<p:notes xmlns:a="http://schemas.openxmlformats.org/drawingml/2006/main" xmlns:r="http://schemas.openxmlformats.org/officeDocument/2006/relationships" xmlns:p="http://schemas.openxmlformats.org/presentationml/2006/main">
+  <p:cSld>
+    <p:spTree>
+      <p:nvGrpSpPr>
+        <p:cNvPr id="1" name=""/>
+        <p:cNvGrpSpPr/>
+        <p:nvPr/>
+      </p:nvGrpSpPr>
+      <p:grpSpPr>
+        <a:xfrm>
+          <a:off x="0" y="0"/>
+          <a:ext cx="0" cy="0"/>
+          <a:chOff x="0" y="0"/>
+          <a:chExt cx="0" cy="0"/>
+        </a:xfrm>
+      </p:grpSpPr>
+      <p:sp>
+        <p:nvSpPr>
+          <p:cNvPr id="2" name="Slide Image Placeholder 1"/>
+          <p:cNvSpPr>
+            <a:spLocks noGrp="1" noRot="1" noChangeAspect="1"/>
+          </p:cNvSpPr>
+          <p:nvPr>
+            <p:ph type="sldImg"/>
+          </p:nvPr>
+        </p:nvSpPr>
+        <p:spPr/>
+      </p:sp>
+      <p:sp>
+        <p:nvSpPr>
+          <p:cNvPr id="3" name="Notes Placeholder 2"/>
+          <p:cNvSpPr>
+            <a:spLocks noGrp="1"/>
+          </p:cNvSpPr>
+          <p:nvPr>
+            <p:ph type="body" idx="1"/>
+          </p:nvPr>
+        </p:nvSpPr>
+        <p:spPr/>
+        <p:txBody>
+          <a:bodyPr/>
+          <a:lstStyle/>
+          <a:p>
+            <a:endParaRPr lang="en-US" dirty="0"/>
+          </a:p>
+        </p:txBody>
+      </p:sp>
+      <p:sp>
+        <p:nvSpPr>
+          <p:cNvPr id="4" name="Slide Number Placeholder 3"/>
+          <p:cNvSpPr>
+            <a:spLocks noGrp="1"/>
+          </p:cNvSpPr>
+          <p:nvPr>
+            <p:ph type="sldNum" sz="quarter" idx="5"/>
+          </p:nvPr>
+        </p:nvSpPr>
+        <p:spPr/>
+        <p:txBody>
+          <a:bodyPr/>
+          <a:lstStyle/>
+          <a:p>
+            <a:fld id="{9B6E1E70-E2F2-4144-A161-49AC7FF84EEE}" type="slidenum">
+              <a:rPr lang="en-US" smtClean="0"/>
+              <a:t>28</a:t>
+            </a:fld>
+            <a:endParaRPr lang="en-US"/>
+          </a:p>
+        </p:txBody>
+      </p:sp>
+    </p:spTree>
+    <p:extLst>
+      <p:ext uri="{BB962C8B-B14F-4D97-AF65-F5344CB8AC3E}">
+        <p14:creationId xmlns:p14="http://schemas.microsoft.com/office/powerpoint/2010/main" val="3888223201"/>
       </p:ext>
     </p:extLst>
   </p:cSld>
@@ -18874,14 +19555,14 @@
           <a:effectLst/>
           <a:extLst>
             <a:ext uri="{909E8E84-426E-40dd-AFC4-6F175D3DCCD1}">
-              <a14:hiddenFill xmlns="" xmlns:a14="http://schemas.microsoft.com/office/drawing/2010/main">
+              <a14:hiddenFill xmlns:a14="http://schemas.microsoft.com/office/drawing/2010/main" xmlns="">
                 <a:solidFill>
                   <a:schemeClr val="accent1"/>
                 </a:solidFill>
               </a14:hiddenFill>
             </a:ext>
             <a:ext uri="{91240B29-F687-4f45-9708-019B960494DF}">
-              <a14:hiddenLine xmlns="" xmlns:a14="http://schemas.microsoft.com/office/drawing/2010/main" w="9525">
+              <a14:hiddenLine xmlns:a14="http://schemas.microsoft.com/office/drawing/2010/main" xmlns="" w="9525">
                 <a:solidFill>
                   <a:schemeClr val="tx1"/>
                 </a:solidFill>
@@ -18891,7 +19572,7 @@
               </a14:hiddenLine>
             </a:ext>
             <a:ext uri="{AF507438-7753-43e0-B8FC-AC1667EBCBE1}">
-              <a14:hiddenEffects xmlns="" xmlns:a14="http://schemas.microsoft.com/office/drawing/2010/main">
+              <a14:hiddenEffects xmlns:a14="http://schemas.microsoft.com/office/drawing/2010/main" xmlns="">
                 <a:effectLst>
                   <a:outerShdw blurRad="63500" dist="38099" dir="2700000" algn="ctr" rotWithShape="0">
                     <a:schemeClr val="bg2">
@@ -18984,14 +19665,14 @@
           </a:ln>
           <a:extLst>
             <a:ext uri="{909E8E84-426E-40dd-AFC4-6F175D3DCCD1}">
-              <a14:hiddenFill xmlns="" xmlns:a14="http://schemas.microsoft.com/office/drawing/2010/main">
+              <a14:hiddenFill xmlns:a14="http://schemas.microsoft.com/office/drawing/2010/main" xmlns="">
                 <a:solidFill>
                   <a:srgbClr val="FFFFFF"/>
                 </a:solidFill>
               </a14:hiddenFill>
             </a:ext>
             <a:ext uri="{91240B29-F687-4f45-9708-019B960494DF}">
-              <a14:hiddenLine xmlns="" xmlns:a14="http://schemas.microsoft.com/office/drawing/2010/main" w="9525">
+              <a14:hiddenLine xmlns:a14="http://schemas.microsoft.com/office/drawing/2010/main" xmlns="" w="9525">
                 <a:solidFill>
                   <a:srgbClr val="000000"/>
                 </a:solidFill>
@@ -19139,14 +19820,14 @@
           <a:effectLst/>
           <a:extLst>
             <a:ext uri="{909E8E84-426E-40dd-AFC4-6F175D3DCCD1}">
-              <a14:hiddenFill xmlns="" xmlns:a14="http://schemas.microsoft.com/office/drawing/2010/main">
+              <a14:hiddenFill xmlns:a14="http://schemas.microsoft.com/office/drawing/2010/main" xmlns="">
                 <a:solidFill>
                   <a:schemeClr val="accent1"/>
                 </a:solidFill>
               </a14:hiddenFill>
             </a:ext>
             <a:ext uri="{91240B29-F687-4f45-9708-019B960494DF}">
-              <a14:hiddenLine xmlns="" xmlns:a14="http://schemas.microsoft.com/office/drawing/2010/main" w="9525">
+              <a14:hiddenLine xmlns:a14="http://schemas.microsoft.com/office/drawing/2010/main" xmlns="" w="9525">
                 <a:solidFill>
                   <a:schemeClr val="tx1"/>
                 </a:solidFill>
@@ -19156,7 +19837,7 @@
               </a14:hiddenLine>
             </a:ext>
             <a:ext uri="{AF507438-7753-43e0-B8FC-AC1667EBCBE1}">
-              <a14:hiddenEffects xmlns="" xmlns:a14="http://schemas.microsoft.com/office/drawing/2010/main">
+              <a14:hiddenEffects xmlns:a14="http://schemas.microsoft.com/office/drawing/2010/main" xmlns="">
                 <a:effectLst>
                   <a:outerShdw blurRad="63500" dist="38099" dir="2700000" algn="ctr" rotWithShape="0">
                     <a:schemeClr val="bg2">
@@ -19267,14 +19948,14 @@
           <a:effectLst/>
           <a:extLst>
             <a:ext uri="{909E8E84-426E-40dd-AFC4-6F175D3DCCD1}">
-              <a14:hiddenFill xmlns="" xmlns:a14="http://schemas.microsoft.com/office/drawing/2010/main">
+              <a14:hiddenFill xmlns:a14="http://schemas.microsoft.com/office/drawing/2010/main" xmlns="">
                 <a:solidFill>
                   <a:schemeClr val="accent1"/>
                 </a:solidFill>
               </a14:hiddenFill>
             </a:ext>
             <a:ext uri="{91240B29-F687-4f45-9708-019B960494DF}">
-              <a14:hiddenLine xmlns="" xmlns:a14="http://schemas.microsoft.com/office/drawing/2010/main" w="9525">
+              <a14:hiddenLine xmlns:a14="http://schemas.microsoft.com/office/drawing/2010/main" xmlns="" w="9525">
                 <a:solidFill>
                   <a:schemeClr val="tx1"/>
                 </a:solidFill>
@@ -19284,7 +19965,7 @@
               </a14:hiddenLine>
             </a:ext>
             <a:ext uri="{AF507438-7753-43e0-B8FC-AC1667EBCBE1}">
-              <a14:hiddenEffects xmlns="" xmlns:a14="http://schemas.microsoft.com/office/drawing/2010/main">
+              <a14:hiddenEffects xmlns:a14="http://schemas.microsoft.com/office/drawing/2010/main" xmlns="">
                 <a:effectLst>
                   <a:outerShdw blurRad="63500" dist="38099" dir="2700000" algn="ctr" rotWithShape="0">
                     <a:schemeClr val="bg2">
@@ -19597,14 +20278,14 @@
           <a:effectLst/>
           <a:extLst>
             <a:ext uri="{909E8E84-426E-40dd-AFC4-6F175D3DCCD1}">
-              <a14:hiddenFill xmlns="" xmlns:a14="http://schemas.microsoft.com/office/drawing/2010/main">
+              <a14:hiddenFill xmlns:a14="http://schemas.microsoft.com/office/drawing/2010/main" xmlns="">
                 <a:solidFill>
                   <a:schemeClr val="accent1"/>
                 </a:solidFill>
               </a14:hiddenFill>
             </a:ext>
             <a:ext uri="{91240B29-F687-4f45-9708-019B960494DF}">
-              <a14:hiddenLine xmlns="" xmlns:a14="http://schemas.microsoft.com/office/drawing/2010/main" w="9525">
+              <a14:hiddenLine xmlns:a14="http://schemas.microsoft.com/office/drawing/2010/main" xmlns="" w="9525">
                 <a:solidFill>
                   <a:schemeClr val="tx1"/>
                 </a:solidFill>
@@ -19614,7 +20295,7 @@
               </a14:hiddenLine>
             </a:ext>
             <a:ext uri="{AF507438-7753-43e0-B8FC-AC1667EBCBE1}">
-              <a14:hiddenEffects xmlns="" xmlns:a14="http://schemas.microsoft.com/office/drawing/2010/main">
+              <a14:hiddenEffects xmlns:a14="http://schemas.microsoft.com/office/drawing/2010/main" xmlns="">
                 <a:effectLst>
                   <a:outerShdw blurRad="63500" dist="38099" dir="2700000" algn="ctr" rotWithShape="0">
                     <a:schemeClr val="bg2">
@@ -21008,14 +21689,14 @@
           </a:ln>
           <a:extLst>
             <a:ext uri="{909E8E84-426E-40dd-AFC4-6F175D3DCCD1}">
-              <a14:hiddenFill xmlns="" xmlns:a14="http://schemas.microsoft.com/office/drawing/2010/main">
+              <a14:hiddenFill xmlns:a14="http://schemas.microsoft.com/office/drawing/2010/main" xmlns="">
                 <a:solidFill>
                   <a:srgbClr val="FFFFFF"/>
                 </a:solidFill>
               </a14:hiddenFill>
             </a:ext>
             <a:ext uri="{91240B29-F687-4f45-9708-019B960494DF}">
-              <a14:hiddenLine xmlns="" xmlns:a14="http://schemas.microsoft.com/office/drawing/2010/main" w="9525">
+              <a14:hiddenLine xmlns:a14="http://schemas.microsoft.com/office/drawing/2010/main" xmlns="" w="9525">
                 <a:solidFill>
                   <a:srgbClr val="000000"/>
                 </a:solidFill>
@@ -21025,7 +21706,7 @@
               </a14:hiddenLine>
             </a:ext>
             <a:ext uri="{FAA26D3D-D897-4be2-8F04-BA451C77F1D7}">
-              <ma14:placeholderFlag xmlns="" xmlns:ma14="http://schemas.microsoft.com/office/mac/drawingml/2011/main" val="1"/>
+              <ma14:placeholderFlag xmlns:ma14="http://schemas.microsoft.com/office/mac/drawingml/2011/main" xmlns="" val="1"/>
             </a:ext>
           </a:extLst>
         </p:spPr>
@@ -23435,6 +24116,3823 @@
       </p:grpSpPr>
       <p:sp>
         <p:nvSpPr>
+          <p:cNvPr id="2" name="Title 1">
+            <a:extLst>
+              <a:ext uri="{FF2B5EF4-FFF2-40B4-BE49-F238E27FC236}">
+                <a16:creationId xmlns:a16="http://schemas.microsoft.com/office/drawing/2014/main" id="{5FE51741-C53F-6443-A9FA-C427987E1F39}"/>
+              </a:ext>
+            </a:extLst>
+          </p:cNvPr>
+          <p:cNvSpPr>
+            <a:spLocks noGrp="1"/>
+          </p:cNvSpPr>
+          <p:nvPr>
+            <p:ph type="title"/>
+          </p:nvPr>
+        </p:nvSpPr>
+        <p:spPr>
+          <a:xfrm>
+            <a:off x="1646238" y="371475"/>
+            <a:ext cx="8913812" cy="914400"/>
+          </a:xfrm>
+        </p:spPr>
+        <p:txBody>
+          <a:bodyPr rtlCol="0">
+            <a:normAutofit/>
+          </a:bodyPr>
+          <a:lstStyle/>
+          <a:p>
+            <a:pPr>
+              <a:defRPr/>
+            </a:pPr>
+            <a:r>
+              <a:rPr lang="en-US" dirty="0">
+                <a:ea typeface="+mj-ea"/>
+                <a:cs typeface="+mj-cs"/>
+              </a:rPr>
+              <a:t>Basic R data structures</a:t>
+            </a:r>
+          </a:p>
+        </p:txBody>
+      </p:sp>
+      <p:sp>
+        <p:nvSpPr>
+          <p:cNvPr id="7" name="TextBox 6">
+            <a:extLst>
+              <a:ext uri="{FF2B5EF4-FFF2-40B4-BE49-F238E27FC236}">
+                <a16:creationId xmlns:a16="http://schemas.microsoft.com/office/drawing/2014/main" id="{097E0CCE-B301-224F-852E-12F7BB73369A}"/>
+              </a:ext>
+            </a:extLst>
+          </p:cNvPr>
+          <p:cNvSpPr txBox="1"/>
+          <p:nvPr/>
+        </p:nvSpPr>
+        <p:spPr>
+          <a:xfrm>
+            <a:off x="795130" y="1425021"/>
+            <a:ext cx="8233344" cy="4985980"/>
+          </a:xfrm>
+          <a:prstGeom prst="rect">
+            <a:avLst/>
+          </a:prstGeom>
+          <a:noFill/>
+        </p:spPr>
+        <p:txBody>
+          <a:bodyPr wrap="none" rtlCol="0">
+            <a:spAutoFit/>
+          </a:bodyPr>
+          <a:lstStyle/>
+          <a:p>
+            <a:r>
+              <a:rPr lang="en-US" sz="2400" b="1" u="sng" dirty="0"/>
+              <a:t>Element</a:t>
+            </a:r>
+            <a:r>
+              <a:rPr lang="en-US" sz="2400" dirty="0"/>
+              <a:t>: character, numeric (double or integer), logic</a:t>
+            </a:r>
+          </a:p>
+          <a:p>
+            <a:pPr lvl="2"/>
+            <a:r>
+              <a:rPr lang="en-US" sz="2000" dirty="0"/>
+              <a:t>&gt; a &lt;- 3</a:t>
+            </a:r>
+          </a:p>
+          <a:p>
+            <a:pPr lvl="2"/>
+            <a:r>
+              <a:rPr lang="en-US" sz="2000" dirty="0"/>
+              <a:t>&gt; a</a:t>
+            </a:r>
+          </a:p>
+          <a:p>
+            <a:pPr lvl="2"/>
+            <a:r>
+              <a:rPr lang="en-US" sz="2000" dirty="0"/>
+              <a:t>[1] 3</a:t>
+            </a:r>
+          </a:p>
+          <a:p>
+            <a:pPr lvl="2"/>
+            <a:endParaRPr lang="en-US" sz="2400" dirty="0"/>
+          </a:p>
+          <a:p>
+            <a:r>
+              <a:rPr lang="en-US" sz="2400" b="1" u="sng" dirty="0"/>
+              <a:t>Vector</a:t>
+            </a:r>
+            <a:r>
+              <a:rPr lang="en-US" sz="2400" dirty="0"/>
+              <a:t>: contains elements of the same type</a:t>
+            </a:r>
+          </a:p>
+          <a:p>
+            <a:pPr lvl="2"/>
+            <a:r>
+              <a:rPr lang="en-US" sz="2000" dirty="0"/>
+              <a:t>&gt; a &lt;- c(1,2,3)</a:t>
+            </a:r>
+          </a:p>
+          <a:p>
+            <a:pPr lvl="2"/>
+            <a:r>
+              <a:rPr lang="en-US" sz="2000" dirty="0"/>
+              <a:t>&gt; a</a:t>
+            </a:r>
+          </a:p>
+          <a:p>
+            <a:pPr lvl="2"/>
+            <a:r>
+              <a:rPr lang="en-US" sz="2000" dirty="0"/>
+              <a:t>[1] 1 2 3</a:t>
+            </a:r>
+          </a:p>
+          <a:p>
+            <a:pPr lvl="2"/>
+            <a:r>
+              <a:rPr lang="en-US" sz="2000" dirty="0"/>
+              <a:t>&gt; a[1]</a:t>
+            </a:r>
+          </a:p>
+          <a:p>
+            <a:pPr lvl="2"/>
+            <a:r>
+              <a:rPr lang="en-US" sz="2000" dirty="0"/>
+              <a:t>[1] 1</a:t>
+            </a:r>
+          </a:p>
+          <a:p>
+            <a:pPr lvl="2"/>
+            <a:r>
+              <a:rPr lang="en-US" sz="2000" dirty="0"/>
+              <a:t>&gt; a[2]</a:t>
+            </a:r>
+          </a:p>
+          <a:p>
+            <a:pPr lvl="2"/>
+            <a:r>
+              <a:rPr lang="en-US" sz="2000" dirty="0"/>
+              <a:t>[1] 2</a:t>
+            </a:r>
+          </a:p>
+          <a:p>
+            <a:pPr lvl="2"/>
+            <a:r>
+              <a:rPr lang="en-US" sz="2000" dirty="0"/>
+              <a:t>&gt; </a:t>
+            </a:r>
+            <a:r>
+              <a:rPr lang="en-US" sz="2000" dirty="0" err="1"/>
+              <a:t>typeof</a:t>
+            </a:r>
+            <a:r>
+              <a:rPr lang="en-US" sz="2000" dirty="0"/>
+              <a:t>(a)</a:t>
+            </a:r>
+          </a:p>
+          <a:p>
+            <a:pPr lvl="2"/>
+            <a:r>
+              <a:rPr lang="en-US" sz="2000" dirty="0"/>
+              <a:t>[1] "double"</a:t>
+            </a:r>
+          </a:p>
+        </p:txBody>
+      </p:sp>
+      <p:sp>
+        <p:nvSpPr>
+          <p:cNvPr id="8" name="TextBox 7">
+            <a:extLst>
+              <a:ext uri="{FF2B5EF4-FFF2-40B4-BE49-F238E27FC236}">
+                <a16:creationId xmlns:a16="http://schemas.microsoft.com/office/drawing/2014/main" id="{07615003-0671-7D41-BF2A-FC6522C3AE25}"/>
+              </a:ext>
+            </a:extLst>
+          </p:cNvPr>
+          <p:cNvSpPr txBox="1"/>
+          <p:nvPr/>
+        </p:nvSpPr>
+        <p:spPr>
+          <a:xfrm>
+            <a:off x="5526157" y="3578087"/>
+            <a:ext cx="4357283" cy="1631216"/>
+          </a:xfrm>
+          <a:prstGeom prst="rect">
+            <a:avLst/>
+          </a:prstGeom>
+          <a:noFill/>
+        </p:spPr>
+        <p:txBody>
+          <a:bodyPr wrap="none" rtlCol="0">
+            <a:spAutoFit/>
+          </a:bodyPr>
+          <a:lstStyle/>
+          <a:p>
+            <a:r>
+              <a:rPr lang="en-US" sz="2000" dirty="0"/>
+              <a:t>&gt; b=c("Metabolomics", "Rocks","!")</a:t>
+            </a:r>
+          </a:p>
+          <a:p>
+            <a:r>
+              <a:rPr lang="en-US" sz="2000" dirty="0"/>
+              <a:t>&gt; b[3]</a:t>
+            </a:r>
+          </a:p>
+          <a:p>
+            <a:r>
+              <a:rPr lang="en-US" sz="2000" dirty="0"/>
+              <a:t>[1] "!"</a:t>
+            </a:r>
+          </a:p>
+          <a:p>
+            <a:r>
+              <a:rPr lang="en-US" sz="2000" dirty="0"/>
+              <a:t>&gt; </a:t>
+            </a:r>
+            <a:r>
+              <a:rPr lang="en-US" sz="2000" dirty="0" err="1"/>
+              <a:t>typeof</a:t>
+            </a:r>
+            <a:r>
+              <a:rPr lang="en-US" sz="2000" dirty="0"/>
+              <a:t>(b)</a:t>
+            </a:r>
+          </a:p>
+          <a:p>
+            <a:r>
+              <a:rPr lang="en-US" sz="2000" dirty="0"/>
+              <a:t>[1] "character"</a:t>
+            </a:r>
+          </a:p>
+        </p:txBody>
+      </p:sp>
+    </p:spTree>
+    <p:extLst>
+      <p:ext uri="{BB962C8B-B14F-4D97-AF65-F5344CB8AC3E}">
+        <p14:creationId xmlns:p14="http://schemas.microsoft.com/office/powerpoint/2010/main" val="3991056932"/>
+      </p:ext>
+    </p:extLst>
+  </p:cSld>
+  <p:clrMapOvr>
+    <a:masterClrMapping/>
+  </p:clrMapOvr>
+</p:sld>
+</file>
+
+<file path=ppt/slides/slide22.xml><?xml version="1.0" encoding="utf-8"?>
+<p:sld xmlns:a="http://schemas.openxmlformats.org/drawingml/2006/main" xmlns:r="http://schemas.openxmlformats.org/officeDocument/2006/relationships" xmlns:p="http://schemas.openxmlformats.org/presentationml/2006/main">
+  <p:cSld>
+    <p:spTree>
+      <p:nvGrpSpPr>
+        <p:cNvPr id="1" name=""/>
+        <p:cNvGrpSpPr/>
+        <p:nvPr/>
+      </p:nvGrpSpPr>
+      <p:grpSpPr>
+        <a:xfrm>
+          <a:off x="0" y="0"/>
+          <a:ext cx="0" cy="0"/>
+          <a:chOff x="0" y="0"/>
+          <a:chExt cx="0" cy="0"/>
+        </a:xfrm>
+      </p:grpSpPr>
+      <p:sp>
+        <p:nvSpPr>
+          <p:cNvPr id="2" name="Title 1">
+            <a:extLst>
+              <a:ext uri="{FF2B5EF4-FFF2-40B4-BE49-F238E27FC236}">
+                <a16:creationId xmlns:a16="http://schemas.microsoft.com/office/drawing/2014/main" id="{5FE51741-C53F-6443-A9FA-C427987E1F39}"/>
+              </a:ext>
+            </a:extLst>
+          </p:cNvPr>
+          <p:cNvSpPr>
+            <a:spLocks noGrp="1"/>
+          </p:cNvSpPr>
+          <p:nvPr>
+            <p:ph type="title"/>
+          </p:nvPr>
+        </p:nvSpPr>
+        <p:spPr>
+          <a:xfrm>
+            <a:off x="1646238" y="371475"/>
+            <a:ext cx="8913812" cy="914400"/>
+          </a:xfrm>
+        </p:spPr>
+        <p:txBody>
+          <a:bodyPr rtlCol="0">
+            <a:normAutofit/>
+          </a:bodyPr>
+          <a:lstStyle/>
+          <a:p>
+            <a:pPr>
+              <a:defRPr/>
+            </a:pPr>
+            <a:r>
+              <a:rPr lang="en-US" dirty="0">
+                <a:ea typeface="+mj-ea"/>
+                <a:cs typeface="+mj-cs"/>
+              </a:rPr>
+              <a:t>Basic R data structures: vector</a:t>
+            </a:r>
+          </a:p>
+        </p:txBody>
+      </p:sp>
+      <p:sp>
+        <p:nvSpPr>
+          <p:cNvPr id="8" name="TextBox 7">
+            <a:extLst>
+              <a:ext uri="{FF2B5EF4-FFF2-40B4-BE49-F238E27FC236}">
+                <a16:creationId xmlns:a16="http://schemas.microsoft.com/office/drawing/2014/main" id="{07615003-0671-7D41-BF2A-FC6522C3AE25}"/>
+              </a:ext>
+            </a:extLst>
+          </p:cNvPr>
+          <p:cNvSpPr txBox="1"/>
+          <p:nvPr/>
+        </p:nvSpPr>
+        <p:spPr>
+          <a:xfrm>
+            <a:off x="795130" y="1640464"/>
+            <a:ext cx="5052986" cy="4493538"/>
+          </a:xfrm>
+          <a:prstGeom prst="rect">
+            <a:avLst/>
+          </a:prstGeom>
+          <a:noFill/>
+        </p:spPr>
+        <p:txBody>
+          <a:bodyPr wrap="none" rtlCol="0">
+            <a:spAutoFit/>
+          </a:bodyPr>
+          <a:lstStyle/>
+          <a:p>
+            <a:r>
+              <a:rPr lang="en-US" sz="2400" b="1" u="sng" dirty="0"/>
+              <a:t>Vectors</a:t>
+            </a:r>
+            <a:r>
+              <a:rPr lang="en-US" sz="2400" dirty="0"/>
+              <a:t>: beware of mixing types!</a:t>
+            </a:r>
+          </a:p>
+          <a:p>
+            <a:endParaRPr lang="en-US" sz="2000" dirty="0"/>
+          </a:p>
+          <a:p>
+            <a:pPr lvl="2"/>
+            <a:r>
+              <a:rPr lang="en-US" sz="2000" dirty="0"/>
+              <a:t>&gt; a=c(1.44,"A",2,"C")</a:t>
+            </a:r>
+          </a:p>
+          <a:p>
+            <a:pPr lvl="2"/>
+            <a:r>
+              <a:rPr lang="en-US" sz="2000" dirty="0"/>
+              <a:t>&gt; a</a:t>
+            </a:r>
+          </a:p>
+          <a:p>
+            <a:pPr lvl="2"/>
+            <a:r>
+              <a:rPr lang="en-US" sz="2000" dirty="0"/>
+              <a:t>[1] "1.44" "A"    "2"    "C"</a:t>
+            </a:r>
+          </a:p>
+          <a:p>
+            <a:pPr lvl="2"/>
+            <a:r>
+              <a:rPr lang="en-US" sz="2000" dirty="0"/>
+              <a:t>&gt; </a:t>
+            </a:r>
+            <a:r>
+              <a:rPr lang="en-US" sz="2000" dirty="0" err="1"/>
+              <a:t>typeof</a:t>
+            </a:r>
+            <a:r>
+              <a:rPr lang="en-US" sz="2000" dirty="0"/>
+              <a:t>(a)</a:t>
+            </a:r>
+          </a:p>
+          <a:p>
+            <a:pPr lvl="2"/>
+            <a:r>
+              <a:rPr lang="en-US" sz="2000" dirty="0"/>
+              <a:t>[1] "character"</a:t>
+            </a:r>
+          </a:p>
+          <a:p>
+            <a:pPr lvl="2"/>
+            <a:r>
+              <a:rPr lang="en-US" sz="2000" dirty="0"/>
+              <a:t>&gt; </a:t>
+            </a:r>
+            <a:r>
+              <a:rPr lang="en-US" sz="2000" dirty="0" err="1"/>
+              <a:t>as.numeric</a:t>
+            </a:r>
+            <a:r>
+              <a:rPr lang="en-US" sz="2000" dirty="0"/>
+              <a:t>(a)</a:t>
+            </a:r>
+          </a:p>
+          <a:p>
+            <a:pPr lvl="2"/>
+            <a:r>
+              <a:rPr lang="en-US" sz="2000" dirty="0"/>
+              <a:t>[1] 1.44   NA 2.00   NA</a:t>
+            </a:r>
+          </a:p>
+          <a:p>
+            <a:pPr lvl="2"/>
+            <a:r>
+              <a:rPr lang="en-US" sz="2000" dirty="0"/>
+              <a:t>Warning message:</a:t>
+            </a:r>
+          </a:p>
+          <a:p>
+            <a:pPr lvl="2"/>
+            <a:r>
+              <a:rPr lang="en-US" sz="2000" dirty="0"/>
+              <a:t>NAs introduced by coercion</a:t>
+            </a:r>
+          </a:p>
+          <a:p>
+            <a:pPr lvl="2"/>
+            <a:r>
+              <a:rPr lang="en-US" sz="2000" dirty="0"/>
+              <a:t>&gt; a=c(1.44,A,2,C)</a:t>
+            </a:r>
+          </a:p>
+          <a:p>
+            <a:pPr lvl="2"/>
+            <a:r>
+              <a:rPr lang="en-US" sz="2000" dirty="0"/>
+              <a:t>Error: object 'A' not found</a:t>
+            </a:r>
+          </a:p>
+          <a:p>
+            <a:endParaRPr lang="en-US" sz="2200" dirty="0"/>
+          </a:p>
+        </p:txBody>
+      </p:sp>
+      <p:sp>
+        <p:nvSpPr>
+          <p:cNvPr id="5" name="TextBox 4">
+            <a:extLst>
+              <a:ext uri="{FF2B5EF4-FFF2-40B4-BE49-F238E27FC236}">
+                <a16:creationId xmlns:a16="http://schemas.microsoft.com/office/drawing/2014/main" id="{827BB593-D88E-8F49-8BCC-FE9D0B6B6458}"/>
+              </a:ext>
+            </a:extLst>
+          </p:cNvPr>
+          <p:cNvSpPr txBox="1"/>
+          <p:nvPr/>
+        </p:nvSpPr>
+        <p:spPr>
+          <a:xfrm>
+            <a:off x="6361044" y="2211772"/>
+            <a:ext cx="3486852" cy="4401205"/>
+          </a:xfrm>
+          <a:prstGeom prst="rect">
+            <a:avLst/>
+          </a:prstGeom>
+          <a:noFill/>
+        </p:spPr>
+        <p:txBody>
+          <a:bodyPr wrap="none" rtlCol="0">
+            <a:spAutoFit/>
+          </a:bodyPr>
+          <a:lstStyle/>
+          <a:p>
+            <a:r>
+              <a:rPr lang="en-US" sz="2000" dirty="0"/>
+              <a:t>&gt; C &lt;- 1:10</a:t>
+            </a:r>
+          </a:p>
+          <a:p>
+            <a:r>
+              <a:rPr lang="en-US" sz="2000" dirty="0"/>
+              <a:t>&gt; C</a:t>
+            </a:r>
+          </a:p>
+          <a:p>
+            <a:r>
+              <a:rPr lang="en-US" sz="2000" dirty="0"/>
+              <a:t> [1]  1  2  3  4  5  6  7  8  9 10</a:t>
+            </a:r>
+          </a:p>
+          <a:p>
+            <a:r>
+              <a:rPr lang="en-US" sz="2000" dirty="0"/>
+              <a:t>&gt; C[C &lt; 3]</a:t>
+            </a:r>
+          </a:p>
+          <a:p>
+            <a:r>
+              <a:rPr lang="en-US" sz="2000" dirty="0"/>
+              <a:t>[1] 1 2</a:t>
+            </a:r>
+          </a:p>
+          <a:p>
+            <a:endParaRPr lang="en-US" sz="2000" dirty="0"/>
+          </a:p>
+          <a:p>
+            <a:r>
+              <a:rPr lang="en-US" sz="2000" dirty="0"/>
+              <a:t>&gt; C &lt;- 10:1</a:t>
+            </a:r>
+          </a:p>
+          <a:p>
+            <a:r>
+              <a:rPr lang="en-US" sz="2000" dirty="0"/>
+              <a:t>&gt; C</a:t>
+            </a:r>
+          </a:p>
+          <a:p>
+            <a:r>
+              <a:rPr lang="en-US" sz="2000" dirty="0"/>
+              <a:t> [1] 10  9  8  7  6  5  4  3  2  1</a:t>
+            </a:r>
+          </a:p>
+          <a:p>
+            <a:r>
+              <a:rPr lang="en-US" sz="2000" dirty="0"/>
+              <a:t>&gt; which(C &lt; 3)</a:t>
+            </a:r>
+          </a:p>
+          <a:p>
+            <a:r>
+              <a:rPr lang="en-US" sz="2000" dirty="0"/>
+              <a:t>[1]  9 10</a:t>
+            </a:r>
+          </a:p>
+          <a:p>
+            <a:r>
+              <a:rPr lang="en-US" sz="2000" dirty="0"/>
+              <a:t>&gt; C[9:10]</a:t>
+            </a:r>
+          </a:p>
+          <a:p>
+            <a:r>
+              <a:rPr lang="en-US" sz="2000" dirty="0"/>
+              <a:t>[1] 2 1</a:t>
+            </a:r>
+          </a:p>
+          <a:p>
+            <a:endParaRPr lang="en-US" sz="2000" dirty="0"/>
+          </a:p>
+        </p:txBody>
+      </p:sp>
+    </p:spTree>
+    <p:extLst>
+      <p:ext uri="{BB962C8B-B14F-4D97-AF65-F5344CB8AC3E}">
+        <p14:creationId xmlns:p14="http://schemas.microsoft.com/office/powerpoint/2010/main" val="2610743499"/>
+      </p:ext>
+    </p:extLst>
+  </p:cSld>
+  <p:clrMapOvr>
+    <a:masterClrMapping/>
+  </p:clrMapOvr>
+</p:sld>
+</file>
+
+<file path=ppt/slides/slide23.xml><?xml version="1.0" encoding="utf-8"?>
+<p:sld xmlns:a="http://schemas.openxmlformats.org/drawingml/2006/main" xmlns:r="http://schemas.openxmlformats.org/officeDocument/2006/relationships" xmlns:p="http://schemas.openxmlformats.org/presentationml/2006/main">
+  <p:cSld>
+    <p:spTree>
+      <p:nvGrpSpPr>
+        <p:cNvPr id="1" name=""/>
+        <p:cNvGrpSpPr/>
+        <p:nvPr/>
+      </p:nvGrpSpPr>
+      <p:grpSpPr>
+        <a:xfrm>
+          <a:off x="0" y="0"/>
+          <a:ext cx="0" cy="0"/>
+          <a:chOff x="0" y="0"/>
+          <a:chExt cx="0" cy="0"/>
+        </a:xfrm>
+      </p:grpSpPr>
+      <p:sp>
+        <p:nvSpPr>
+          <p:cNvPr id="2" name="Title 1">
+            <a:extLst>
+              <a:ext uri="{FF2B5EF4-FFF2-40B4-BE49-F238E27FC236}">
+                <a16:creationId xmlns:a16="http://schemas.microsoft.com/office/drawing/2014/main" id="{5FE51741-C53F-6443-A9FA-C427987E1F39}"/>
+              </a:ext>
+            </a:extLst>
+          </p:cNvPr>
+          <p:cNvSpPr>
+            <a:spLocks noGrp="1"/>
+          </p:cNvSpPr>
+          <p:nvPr>
+            <p:ph type="title"/>
+          </p:nvPr>
+        </p:nvSpPr>
+        <p:spPr>
+          <a:xfrm>
+            <a:off x="1646238" y="371475"/>
+            <a:ext cx="8913812" cy="914400"/>
+          </a:xfrm>
+        </p:spPr>
+        <p:txBody>
+          <a:bodyPr rtlCol="0">
+            <a:normAutofit/>
+          </a:bodyPr>
+          <a:lstStyle/>
+          <a:p>
+            <a:pPr>
+              <a:defRPr/>
+            </a:pPr>
+            <a:r>
+              <a:rPr lang="en-US" dirty="0">
+                <a:ea typeface="+mj-ea"/>
+                <a:cs typeface="+mj-cs"/>
+              </a:rPr>
+              <a:t>Basic R data structures: matrix</a:t>
+            </a:r>
+          </a:p>
+        </p:txBody>
+      </p:sp>
+      <p:sp>
+        <p:nvSpPr>
+          <p:cNvPr id="8" name="TextBox 7">
+            <a:extLst>
+              <a:ext uri="{FF2B5EF4-FFF2-40B4-BE49-F238E27FC236}">
+                <a16:creationId xmlns:a16="http://schemas.microsoft.com/office/drawing/2014/main" id="{07615003-0671-7D41-BF2A-FC6522C3AE25}"/>
+              </a:ext>
+            </a:extLst>
+          </p:cNvPr>
+          <p:cNvSpPr txBox="1"/>
+          <p:nvPr/>
+        </p:nvSpPr>
+        <p:spPr>
+          <a:xfrm>
+            <a:off x="668620" y="1680220"/>
+            <a:ext cx="11476219" cy="4493538"/>
+          </a:xfrm>
+          <a:prstGeom prst="rect">
+            <a:avLst/>
+          </a:prstGeom>
+          <a:noFill/>
+        </p:spPr>
+        <p:txBody>
+          <a:bodyPr wrap="none" rtlCol="0">
+            <a:spAutoFit/>
+          </a:bodyPr>
+          <a:lstStyle/>
+          <a:p>
+            <a:r>
+              <a:rPr lang="en-US" sz="2400" b="1" u="sng" dirty="0"/>
+              <a:t>Matrix</a:t>
+            </a:r>
+            <a:r>
+              <a:rPr lang="en-US" sz="2400" dirty="0"/>
+              <a:t>: two dimensional structure (e.g. rows and columns) of the same type!</a:t>
+            </a:r>
+          </a:p>
+          <a:p>
+            <a:endParaRPr lang="en-US" sz="2000" dirty="0"/>
+          </a:p>
+          <a:p>
+            <a:pPr lvl="2"/>
+            <a:r>
+              <a:rPr lang="en-US" sz="2000" dirty="0"/>
+              <a:t>&gt; a=c(1.44,"A",2,"C")</a:t>
+            </a:r>
+          </a:p>
+          <a:p>
+            <a:pPr lvl="2"/>
+            <a:r>
+              <a:rPr lang="en-US" sz="2000" dirty="0"/>
+              <a:t>&gt; a</a:t>
+            </a:r>
+          </a:p>
+          <a:p>
+            <a:pPr lvl="2"/>
+            <a:r>
+              <a:rPr lang="en-US" sz="2000" dirty="0"/>
+              <a:t>[1] "1.44" "A"    "2"    "C"</a:t>
+            </a:r>
+          </a:p>
+          <a:p>
+            <a:pPr lvl="2"/>
+            <a:r>
+              <a:rPr lang="en-US" sz="2000" dirty="0"/>
+              <a:t>&gt; </a:t>
+            </a:r>
+            <a:r>
+              <a:rPr lang="en-US" sz="2000" dirty="0" err="1"/>
+              <a:t>typeof</a:t>
+            </a:r>
+            <a:r>
+              <a:rPr lang="en-US" sz="2000" dirty="0"/>
+              <a:t>(a)</a:t>
+            </a:r>
+          </a:p>
+          <a:p>
+            <a:pPr lvl="2"/>
+            <a:r>
+              <a:rPr lang="en-US" sz="2000" dirty="0"/>
+              <a:t>[1] "character"</a:t>
+            </a:r>
+          </a:p>
+          <a:p>
+            <a:pPr lvl="2"/>
+            <a:r>
+              <a:rPr lang="en-US" sz="2000" dirty="0"/>
+              <a:t>&gt; </a:t>
+            </a:r>
+            <a:r>
+              <a:rPr lang="en-US" sz="2000" dirty="0" err="1"/>
+              <a:t>as.numeric</a:t>
+            </a:r>
+            <a:r>
+              <a:rPr lang="en-US" sz="2000" dirty="0"/>
+              <a:t>(a)</a:t>
+            </a:r>
+          </a:p>
+          <a:p>
+            <a:pPr lvl="2"/>
+            <a:r>
+              <a:rPr lang="en-US" sz="2000" dirty="0"/>
+              <a:t>[1] 1.44   NA 2.00   NA</a:t>
+            </a:r>
+          </a:p>
+          <a:p>
+            <a:pPr lvl="2"/>
+            <a:r>
+              <a:rPr lang="en-US" sz="2000" dirty="0"/>
+              <a:t>Warning message:</a:t>
+            </a:r>
+          </a:p>
+          <a:p>
+            <a:pPr lvl="2"/>
+            <a:r>
+              <a:rPr lang="en-US" sz="2000" dirty="0"/>
+              <a:t>NAs introduced by coercion</a:t>
+            </a:r>
+          </a:p>
+          <a:p>
+            <a:pPr lvl="2"/>
+            <a:r>
+              <a:rPr lang="en-US" sz="2000" dirty="0"/>
+              <a:t>&gt; a=c(1.44,A,2,C)</a:t>
+            </a:r>
+          </a:p>
+          <a:p>
+            <a:pPr lvl="2"/>
+            <a:r>
+              <a:rPr lang="en-US" sz="2000" dirty="0"/>
+              <a:t>Error: object 'A' not found</a:t>
+            </a:r>
+          </a:p>
+          <a:p>
+            <a:endParaRPr lang="en-US" sz="2200" dirty="0"/>
+          </a:p>
+        </p:txBody>
+      </p:sp>
+      <p:sp>
+        <p:nvSpPr>
+          <p:cNvPr id="5" name="TextBox 4">
+            <a:extLst>
+              <a:ext uri="{FF2B5EF4-FFF2-40B4-BE49-F238E27FC236}">
+                <a16:creationId xmlns:a16="http://schemas.microsoft.com/office/drawing/2014/main" id="{827BB593-D88E-8F49-8BCC-FE9D0B6B6458}"/>
+              </a:ext>
+            </a:extLst>
+          </p:cNvPr>
+          <p:cNvSpPr txBox="1"/>
+          <p:nvPr/>
+        </p:nvSpPr>
+        <p:spPr>
+          <a:xfrm>
+            <a:off x="6361044" y="2211772"/>
+            <a:ext cx="3486852" cy="4401205"/>
+          </a:xfrm>
+          <a:prstGeom prst="rect">
+            <a:avLst/>
+          </a:prstGeom>
+          <a:noFill/>
+        </p:spPr>
+        <p:txBody>
+          <a:bodyPr wrap="none" rtlCol="0">
+            <a:spAutoFit/>
+          </a:bodyPr>
+          <a:lstStyle/>
+          <a:p>
+            <a:r>
+              <a:rPr lang="en-US" sz="2000" dirty="0"/>
+              <a:t>&gt; C &lt;- 1:10</a:t>
+            </a:r>
+          </a:p>
+          <a:p>
+            <a:r>
+              <a:rPr lang="en-US" sz="2000" dirty="0"/>
+              <a:t>&gt; C</a:t>
+            </a:r>
+          </a:p>
+          <a:p>
+            <a:r>
+              <a:rPr lang="en-US" sz="2000" dirty="0"/>
+              <a:t> [1]  1  2  3  4  5  6  7  8  9 10</a:t>
+            </a:r>
+          </a:p>
+          <a:p>
+            <a:r>
+              <a:rPr lang="en-US" sz="2000" dirty="0"/>
+              <a:t>&gt; C[C &lt; 3]</a:t>
+            </a:r>
+          </a:p>
+          <a:p>
+            <a:r>
+              <a:rPr lang="en-US" sz="2000" dirty="0"/>
+              <a:t>[1] 1 2</a:t>
+            </a:r>
+          </a:p>
+          <a:p>
+            <a:endParaRPr lang="en-US" sz="2000" dirty="0"/>
+          </a:p>
+          <a:p>
+            <a:r>
+              <a:rPr lang="en-US" sz="2000" dirty="0"/>
+              <a:t>&gt; C &lt;- 10:1</a:t>
+            </a:r>
+          </a:p>
+          <a:p>
+            <a:r>
+              <a:rPr lang="en-US" sz="2000" dirty="0"/>
+              <a:t>&gt; C</a:t>
+            </a:r>
+          </a:p>
+          <a:p>
+            <a:r>
+              <a:rPr lang="en-US" sz="2000" dirty="0"/>
+              <a:t> [1] 10  9  8  7  6  5  4  3  2  1</a:t>
+            </a:r>
+          </a:p>
+          <a:p>
+            <a:r>
+              <a:rPr lang="en-US" sz="2000" dirty="0"/>
+              <a:t>&gt; which(C &lt; 3)</a:t>
+            </a:r>
+          </a:p>
+          <a:p>
+            <a:r>
+              <a:rPr lang="en-US" sz="2000" dirty="0"/>
+              <a:t>[1]  9 10</a:t>
+            </a:r>
+          </a:p>
+          <a:p>
+            <a:r>
+              <a:rPr lang="en-US" sz="2000" dirty="0"/>
+              <a:t>&gt; C[9:10]</a:t>
+            </a:r>
+          </a:p>
+          <a:p>
+            <a:r>
+              <a:rPr lang="en-US" sz="2000" dirty="0"/>
+              <a:t>[1] 2 1</a:t>
+            </a:r>
+          </a:p>
+          <a:p>
+            <a:endParaRPr lang="en-US" sz="2000" dirty="0"/>
+          </a:p>
+        </p:txBody>
+      </p:sp>
+    </p:spTree>
+    <p:extLst>
+      <p:ext uri="{BB962C8B-B14F-4D97-AF65-F5344CB8AC3E}">
+        <p14:creationId xmlns:p14="http://schemas.microsoft.com/office/powerpoint/2010/main" val="4091476029"/>
+      </p:ext>
+    </p:extLst>
+  </p:cSld>
+  <p:clrMapOvr>
+    <a:masterClrMapping/>
+  </p:clrMapOvr>
+  <p:timing>
+    <p:tnLst>
+      <p:par>
+        <p:cTn id="1" dur="indefinite" restart="never" nodeType="tmRoot">
+          <p:childTnLst>
+            <p:seq concurrent="1" nextAc="seek">
+              <p:cTn id="2" dur="indefinite" nodeType="mainSeq">
+                <p:childTnLst>
+                  <p:par>
+                    <p:cTn id="3" fill="hold">
+                      <p:stCondLst>
+                        <p:cond delay="indefinite"/>
+                      </p:stCondLst>
+                      <p:childTnLst>
+                        <p:par>
+                          <p:cTn id="4" fill="hold">
+                            <p:stCondLst>
+                              <p:cond delay="0"/>
+                            </p:stCondLst>
+                            <p:childTnLst>
+                              <p:par>
+                                <p:cTn id="5" presetID="1" presetClass="entr" presetSubtype="0" fill="hold" grpId="0" nodeType="clickEffect">
+                                  <p:stCondLst>
+                                    <p:cond delay="0"/>
+                                  </p:stCondLst>
+                                  <p:childTnLst>
+                                    <p:set>
+                                      <p:cBhvr>
+                                        <p:cTn id="6" dur="1" fill="hold">
+                                          <p:stCondLst>
+                                            <p:cond delay="0"/>
+                                          </p:stCondLst>
+                                        </p:cTn>
+                                        <p:tgtEl>
+                                          <p:spTgt spid="5"/>
+                                        </p:tgtEl>
+                                        <p:attrNameLst>
+                                          <p:attrName>style.visibility</p:attrName>
+                                        </p:attrNameLst>
+                                      </p:cBhvr>
+                                      <p:to>
+                                        <p:strVal val="visible"/>
+                                      </p:to>
+                                    </p:set>
+                                  </p:childTnLst>
+                                </p:cTn>
+                              </p:par>
+                            </p:childTnLst>
+                          </p:cTn>
+                        </p:par>
+                      </p:childTnLst>
+                    </p:cTn>
+                  </p:par>
+                </p:childTnLst>
+              </p:cTn>
+              <p:prevCondLst>
+                <p:cond evt="onPrev" delay="0">
+                  <p:tgtEl>
+                    <p:sldTgt/>
+                  </p:tgtEl>
+                </p:cond>
+              </p:prevCondLst>
+              <p:nextCondLst>
+                <p:cond evt="onNext" delay="0">
+                  <p:tgtEl>
+                    <p:sldTgt/>
+                  </p:tgtEl>
+                </p:cond>
+              </p:nextCondLst>
+            </p:seq>
+          </p:childTnLst>
+        </p:cTn>
+      </p:par>
+    </p:tnLst>
+    <p:bldLst>
+      <p:bldP spid="5" grpId="0"/>
+    </p:bldLst>
+  </p:timing>
+</p:sld>
+</file>
+
+<file path=ppt/slides/slide24.xml><?xml version="1.0" encoding="utf-8"?>
+<p:sld xmlns:a="http://schemas.openxmlformats.org/drawingml/2006/main" xmlns:r="http://schemas.openxmlformats.org/officeDocument/2006/relationships" xmlns:p="http://schemas.openxmlformats.org/presentationml/2006/main">
+  <p:cSld>
+    <p:spTree>
+      <p:nvGrpSpPr>
+        <p:cNvPr id="1" name=""/>
+        <p:cNvGrpSpPr/>
+        <p:nvPr/>
+      </p:nvGrpSpPr>
+      <p:grpSpPr>
+        <a:xfrm>
+          <a:off x="0" y="0"/>
+          <a:ext cx="0" cy="0"/>
+          <a:chOff x="0" y="0"/>
+          <a:chExt cx="0" cy="0"/>
+        </a:xfrm>
+      </p:grpSpPr>
+      <p:sp>
+        <p:nvSpPr>
+          <p:cNvPr id="2" name="Title 1">
+            <a:extLst>
+              <a:ext uri="{FF2B5EF4-FFF2-40B4-BE49-F238E27FC236}">
+                <a16:creationId xmlns:a16="http://schemas.microsoft.com/office/drawing/2014/main" id="{5FE51741-C53F-6443-A9FA-C427987E1F39}"/>
+              </a:ext>
+            </a:extLst>
+          </p:cNvPr>
+          <p:cNvSpPr>
+            <a:spLocks noGrp="1"/>
+          </p:cNvSpPr>
+          <p:nvPr>
+            <p:ph type="title"/>
+          </p:nvPr>
+        </p:nvSpPr>
+        <p:spPr>
+          <a:xfrm>
+            <a:off x="1646238" y="371475"/>
+            <a:ext cx="8913812" cy="914400"/>
+          </a:xfrm>
+        </p:spPr>
+        <p:txBody>
+          <a:bodyPr rtlCol="0">
+            <a:normAutofit fontScale="90000"/>
+          </a:bodyPr>
+          <a:lstStyle/>
+          <a:p>
+            <a:pPr>
+              <a:defRPr/>
+            </a:pPr>
+            <a:r>
+              <a:rPr lang="en-US" dirty="0">
+                <a:ea typeface="+mj-ea"/>
+                <a:cs typeface="+mj-cs"/>
+              </a:rPr>
+              <a:t>Basic R data structures: data frame</a:t>
+            </a:r>
+          </a:p>
+        </p:txBody>
+      </p:sp>
+      <p:sp>
+        <p:nvSpPr>
+          <p:cNvPr id="8" name="TextBox 7">
+            <a:extLst>
+              <a:ext uri="{FF2B5EF4-FFF2-40B4-BE49-F238E27FC236}">
+                <a16:creationId xmlns:a16="http://schemas.microsoft.com/office/drawing/2014/main" id="{07615003-0671-7D41-BF2A-FC6522C3AE25}"/>
+              </a:ext>
+            </a:extLst>
+          </p:cNvPr>
+          <p:cNvSpPr txBox="1"/>
+          <p:nvPr/>
+        </p:nvSpPr>
+        <p:spPr>
+          <a:xfrm>
+            <a:off x="668620" y="1680220"/>
+            <a:ext cx="11290298" cy="4524315"/>
+          </a:xfrm>
+          <a:prstGeom prst="rect">
+            <a:avLst/>
+          </a:prstGeom>
+          <a:noFill/>
+        </p:spPr>
+        <p:txBody>
+          <a:bodyPr wrap="square" rtlCol="0">
+            <a:spAutoFit/>
+          </a:bodyPr>
+          <a:lstStyle/>
+          <a:p>
+            <a:r>
+              <a:rPr lang="en-US" sz="2400" b="1" u="sng" dirty="0"/>
+              <a:t>Data Frame</a:t>
+            </a:r>
+            <a:r>
+              <a:rPr lang="en-US" sz="2400" dirty="0"/>
+              <a:t>: two dimensional structure (e.g. rows and columns) that different types! (it’s a generalization of a matrix, access is like a matrix)</a:t>
+            </a:r>
+          </a:p>
+          <a:p>
+            <a:endParaRPr lang="en-US" sz="2000" dirty="0"/>
+          </a:p>
+          <a:p>
+            <a:pPr lvl="2"/>
+            <a:r>
+              <a:rPr lang="en-US" sz="2000" dirty="0"/>
+              <a:t>&gt; </a:t>
+            </a:r>
+            <a:r>
+              <a:rPr lang="en-US" sz="2000" dirty="0" err="1"/>
+              <a:t>df</a:t>
+            </a:r>
+            <a:r>
+              <a:rPr lang="en-US" sz="2000" dirty="0"/>
+              <a:t> &lt;- </a:t>
+            </a:r>
+            <a:r>
+              <a:rPr lang="en-US" sz="2000" dirty="0" err="1"/>
+              <a:t>data.frame</a:t>
+            </a:r>
+            <a:r>
+              <a:rPr lang="en-US" sz="2000" dirty="0"/>
+              <a:t>(</a:t>
+            </a:r>
+            <a:r>
+              <a:rPr lang="en-US" sz="2000" dirty="0" err="1"/>
+              <a:t>colA</a:t>
+            </a:r>
+            <a:r>
+              <a:rPr lang="en-US" sz="2000" dirty="0"/>
+              <a:t>=1:3, </a:t>
+            </a:r>
+            <a:r>
+              <a:rPr lang="en-US" sz="2000" dirty="0" err="1"/>
+              <a:t>colB</a:t>
+            </a:r>
+            <a:r>
+              <a:rPr lang="en-US" sz="2000" dirty="0"/>
+              <a:t>=letters[1:3], </a:t>
+            </a:r>
+            <a:r>
+              <a:rPr lang="en-US" sz="2000" dirty="0" err="1"/>
+              <a:t>colC</a:t>
+            </a:r>
+            <a:r>
+              <a:rPr lang="en-US" sz="2000" dirty="0"/>
+              <a:t>=c(10,"A",200))</a:t>
+            </a:r>
+          </a:p>
+          <a:p>
+            <a:pPr lvl="2"/>
+            <a:r>
+              <a:rPr lang="en-US" sz="2000" dirty="0"/>
+              <a:t>&gt; </a:t>
+            </a:r>
+            <a:r>
+              <a:rPr lang="en-US" sz="2000" dirty="0" err="1"/>
+              <a:t>df</a:t>
+            </a:r>
+            <a:endParaRPr lang="en-US" sz="2000" dirty="0"/>
+          </a:p>
+          <a:p>
+            <a:pPr lvl="2"/>
+            <a:r>
+              <a:rPr lang="en-US" sz="2000" dirty="0"/>
+              <a:t>  </a:t>
+            </a:r>
+            <a:r>
+              <a:rPr lang="en-US" sz="2000" dirty="0" err="1"/>
+              <a:t>colA</a:t>
+            </a:r>
+            <a:r>
+              <a:rPr lang="en-US" sz="2000" dirty="0"/>
+              <a:t> </a:t>
+            </a:r>
+            <a:r>
+              <a:rPr lang="en-US" sz="2000" dirty="0" err="1"/>
+              <a:t>colB</a:t>
+            </a:r>
+            <a:r>
+              <a:rPr lang="en-US" sz="2000" dirty="0"/>
+              <a:t> </a:t>
+            </a:r>
+            <a:r>
+              <a:rPr lang="en-US" sz="2000" dirty="0" err="1"/>
+              <a:t>colC</a:t>
+            </a:r>
+            <a:endParaRPr lang="en-US" sz="2000" dirty="0"/>
+          </a:p>
+          <a:p>
+            <a:pPr lvl="2"/>
+            <a:r>
+              <a:rPr lang="en-US" sz="2000" dirty="0"/>
+              <a:t>1    1    a   10</a:t>
+            </a:r>
+          </a:p>
+          <a:p>
+            <a:pPr lvl="2"/>
+            <a:r>
+              <a:rPr lang="en-US" sz="2000" dirty="0"/>
+              <a:t>2    2    b    A</a:t>
+            </a:r>
+          </a:p>
+          <a:p>
+            <a:pPr lvl="2"/>
+            <a:r>
+              <a:rPr lang="en-US" sz="2000" dirty="0"/>
+              <a:t>3    3    c  200</a:t>
+            </a:r>
+          </a:p>
+          <a:p>
+            <a:pPr lvl="2"/>
+            <a:r>
+              <a:rPr lang="en-US" sz="2000" dirty="0"/>
+              <a:t>&gt; </a:t>
+            </a:r>
+            <a:r>
+              <a:rPr lang="en-US" sz="2000" dirty="0" err="1"/>
+              <a:t>str</a:t>
+            </a:r>
+            <a:r>
+              <a:rPr lang="en-US" sz="2000" dirty="0"/>
+              <a:t>(</a:t>
+            </a:r>
+            <a:r>
+              <a:rPr lang="en-US" sz="2000" dirty="0" err="1"/>
+              <a:t>df</a:t>
+            </a:r>
+            <a:r>
+              <a:rPr lang="en-US" sz="2000" dirty="0"/>
+              <a:t>)</a:t>
+            </a:r>
+          </a:p>
+          <a:p>
+            <a:pPr lvl="2"/>
+            <a:r>
+              <a:rPr lang="en-US" sz="2000" dirty="0"/>
+              <a:t>'</a:t>
+            </a:r>
+            <a:r>
+              <a:rPr lang="en-US" sz="2000" dirty="0" err="1"/>
+              <a:t>data.frame</a:t>
+            </a:r>
+            <a:r>
+              <a:rPr lang="en-US" sz="2000" dirty="0"/>
+              <a:t>':	3 obs. of  3 variables:</a:t>
+            </a:r>
+          </a:p>
+          <a:p>
+            <a:pPr lvl="2"/>
+            <a:r>
+              <a:rPr lang="en-US" sz="2000" dirty="0"/>
+              <a:t> $ </a:t>
+            </a:r>
+            <a:r>
+              <a:rPr lang="en-US" sz="2000" dirty="0" err="1"/>
+              <a:t>colA</a:t>
+            </a:r>
+            <a:r>
+              <a:rPr lang="en-US" sz="2000" dirty="0"/>
+              <a:t>: </a:t>
+            </a:r>
+            <a:r>
+              <a:rPr lang="en-US" sz="2000" dirty="0" err="1"/>
+              <a:t>int</a:t>
+            </a:r>
+            <a:r>
+              <a:rPr lang="en-US" sz="2000" dirty="0"/>
+              <a:t>  1 2 3</a:t>
+            </a:r>
+          </a:p>
+          <a:p>
+            <a:pPr lvl="2"/>
+            <a:r>
+              <a:rPr lang="en-US" sz="2000" dirty="0"/>
+              <a:t> $ </a:t>
+            </a:r>
+            <a:r>
+              <a:rPr lang="en-US" sz="2000" dirty="0" err="1"/>
+              <a:t>colB</a:t>
+            </a:r>
+            <a:r>
+              <a:rPr lang="en-US" sz="2000" dirty="0"/>
+              <a:t>: Factor w/ 3 levels "</a:t>
+            </a:r>
+            <a:r>
+              <a:rPr lang="en-US" sz="2000" dirty="0" err="1"/>
+              <a:t>a","b","c</a:t>
+            </a:r>
+            <a:r>
+              <a:rPr lang="en-US" sz="2000" dirty="0"/>
+              <a:t>": 1 2 3</a:t>
+            </a:r>
+          </a:p>
+          <a:p>
+            <a:pPr lvl="2"/>
+            <a:r>
+              <a:rPr lang="en-US" sz="2000" dirty="0"/>
+              <a:t> $ </a:t>
+            </a:r>
+            <a:r>
+              <a:rPr lang="en-US" sz="2000" dirty="0" err="1"/>
+              <a:t>colC</a:t>
+            </a:r>
+            <a:r>
+              <a:rPr lang="en-US" sz="2000" dirty="0"/>
+              <a:t>: Factor w/ 3 levels "10","200","A": 1 3 2</a:t>
+            </a:r>
+          </a:p>
+        </p:txBody>
+      </p:sp>
+      <p:sp>
+        <p:nvSpPr>
+          <p:cNvPr id="6" name="TextBox 5">
+            <a:extLst>
+              <a:ext uri="{FF2B5EF4-FFF2-40B4-BE49-F238E27FC236}">
+                <a16:creationId xmlns:a16="http://schemas.microsoft.com/office/drawing/2014/main" id="{1086EC1E-90C0-7C42-A15B-28F8DF6C460B}"/>
+              </a:ext>
+            </a:extLst>
+          </p:cNvPr>
+          <p:cNvSpPr txBox="1"/>
+          <p:nvPr/>
+        </p:nvSpPr>
+        <p:spPr>
+          <a:xfrm>
+            <a:off x="4781476" y="3326825"/>
+            <a:ext cx="7177442" cy="1569660"/>
+          </a:xfrm>
+          <a:prstGeom prst="rect">
+            <a:avLst/>
+          </a:prstGeom>
+          <a:noFill/>
+        </p:spPr>
+        <p:txBody>
+          <a:bodyPr wrap="square" rtlCol="0">
+            <a:spAutoFit/>
+          </a:bodyPr>
+          <a:lstStyle/>
+          <a:p>
+            <a:r>
+              <a:rPr lang="en-US" sz="2400" b="1" i="1" dirty="0">
+                <a:solidFill>
+                  <a:srgbClr val="FF0000"/>
+                </a:solidFill>
+              </a:rPr>
+              <a:t>Beware of factors!!! By default, </a:t>
+            </a:r>
+            <a:r>
+              <a:rPr lang="en-US" sz="2400" b="1" i="1" dirty="0" err="1">
+                <a:solidFill>
+                  <a:srgbClr val="FF0000"/>
+                </a:solidFill>
+              </a:rPr>
+              <a:t>data.frame</a:t>
+            </a:r>
+            <a:r>
+              <a:rPr lang="en-US" sz="2400" b="1" i="1" dirty="0">
+                <a:solidFill>
+                  <a:srgbClr val="FF0000"/>
+                </a:solidFill>
+              </a:rPr>
+              <a:t>() will convert any characters vector to factors!!</a:t>
+            </a:r>
+          </a:p>
+          <a:p>
+            <a:r>
+              <a:rPr lang="en-US" sz="2400" b="1" i="1" dirty="0">
+                <a:solidFill>
+                  <a:srgbClr val="FF0000"/>
+                </a:solidFill>
+              </a:rPr>
+              <a:t>Use </a:t>
+            </a:r>
+            <a:r>
+              <a:rPr lang="en-US" sz="2400" b="1" dirty="0" err="1">
+                <a:solidFill>
+                  <a:srgbClr val="FF0000"/>
+                </a:solidFill>
+              </a:rPr>
+              <a:t>stringsAsFactors</a:t>
+            </a:r>
+            <a:r>
+              <a:rPr lang="en-US" sz="2400" b="1" dirty="0">
+                <a:solidFill>
+                  <a:srgbClr val="FF0000"/>
+                </a:solidFill>
+              </a:rPr>
+              <a:t>=FALSE to suppress this behavior</a:t>
+            </a:r>
+            <a:endParaRPr lang="en-US" sz="2400" b="1" i="1" dirty="0">
+              <a:solidFill>
+                <a:srgbClr val="FF0000"/>
+              </a:solidFill>
+            </a:endParaRPr>
+          </a:p>
+        </p:txBody>
+      </p:sp>
+    </p:spTree>
+    <p:extLst>
+      <p:ext uri="{BB962C8B-B14F-4D97-AF65-F5344CB8AC3E}">
+        <p14:creationId xmlns:p14="http://schemas.microsoft.com/office/powerpoint/2010/main" val="337622529"/>
+      </p:ext>
+    </p:extLst>
+  </p:cSld>
+  <p:clrMapOvr>
+    <a:masterClrMapping/>
+  </p:clrMapOvr>
+  <p:timing>
+    <p:tnLst>
+      <p:par>
+        <p:cTn id="1" dur="indefinite" restart="never" nodeType="tmRoot">
+          <p:childTnLst>
+            <p:seq concurrent="1" nextAc="seek">
+              <p:cTn id="2" dur="indefinite" nodeType="mainSeq">
+                <p:childTnLst>
+                  <p:par>
+                    <p:cTn id="3" fill="hold">
+                      <p:stCondLst>
+                        <p:cond delay="indefinite"/>
+                      </p:stCondLst>
+                      <p:childTnLst>
+                        <p:par>
+                          <p:cTn id="4" fill="hold">
+                            <p:stCondLst>
+                              <p:cond delay="0"/>
+                            </p:stCondLst>
+                            <p:childTnLst>
+                              <p:par>
+                                <p:cTn id="5" presetID="1" presetClass="entr" presetSubtype="0" fill="hold" grpId="0" nodeType="clickEffect">
+                                  <p:stCondLst>
+                                    <p:cond delay="0"/>
+                                  </p:stCondLst>
+                                  <p:childTnLst>
+                                    <p:set>
+                                      <p:cBhvr>
+                                        <p:cTn id="6" dur="1" fill="hold">
+                                          <p:stCondLst>
+                                            <p:cond delay="0"/>
+                                          </p:stCondLst>
+                                        </p:cTn>
+                                        <p:tgtEl>
+                                          <p:spTgt spid="6"/>
+                                        </p:tgtEl>
+                                        <p:attrNameLst>
+                                          <p:attrName>style.visibility</p:attrName>
+                                        </p:attrNameLst>
+                                      </p:cBhvr>
+                                      <p:to>
+                                        <p:strVal val="visible"/>
+                                      </p:to>
+                                    </p:set>
+                                  </p:childTnLst>
+                                </p:cTn>
+                              </p:par>
+                            </p:childTnLst>
+                          </p:cTn>
+                        </p:par>
+                      </p:childTnLst>
+                    </p:cTn>
+                  </p:par>
+                </p:childTnLst>
+              </p:cTn>
+              <p:prevCondLst>
+                <p:cond evt="onPrev" delay="0">
+                  <p:tgtEl>
+                    <p:sldTgt/>
+                  </p:tgtEl>
+                </p:cond>
+              </p:prevCondLst>
+              <p:nextCondLst>
+                <p:cond evt="onNext" delay="0">
+                  <p:tgtEl>
+                    <p:sldTgt/>
+                  </p:tgtEl>
+                </p:cond>
+              </p:nextCondLst>
+            </p:seq>
+          </p:childTnLst>
+        </p:cTn>
+      </p:par>
+    </p:tnLst>
+    <p:bldLst>
+      <p:bldP spid="6" grpId="0"/>
+    </p:bldLst>
+  </p:timing>
+</p:sld>
+</file>
+
+<file path=ppt/slides/slide25.xml><?xml version="1.0" encoding="utf-8"?>
+<p:sld xmlns:a="http://schemas.openxmlformats.org/drawingml/2006/main" xmlns:r="http://schemas.openxmlformats.org/officeDocument/2006/relationships" xmlns:p="http://schemas.openxmlformats.org/presentationml/2006/main">
+  <p:cSld>
+    <p:spTree>
+      <p:nvGrpSpPr>
+        <p:cNvPr id="1" name=""/>
+        <p:cNvGrpSpPr/>
+        <p:nvPr/>
+      </p:nvGrpSpPr>
+      <p:grpSpPr>
+        <a:xfrm>
+          <a:off x="0" y="0"/>
+          <a:ext cx="0" cy="0"/>
+          <a:chOff x="0" y="0"/>
+          <a:chExt cx="0" cy="0"/>
+        </a:xfrm>
+      </p:grpSpPr>
+      <p:sp>
+        <p:nvSpPr>
+          <p:cNvPr id="2" name="Title 1">
+            <a:extLst>
+              <a:ext uri="{FF2B5EF4-FFF2-40B4-BE49-F238E27FC236}">
+                <a16:creationId xmlns:a16="http://schemas.microsoft.com/office/drawing/2014/main" id="{5FE51741-C53F-6443-A9FA-C427987E1F39}"/>
+              </a:ext>
+            </a:extLst>
+          </p:cNvPr>
+          <p:cNvSpPr>
+            <a:spLocks noGrp="1"/>
+          </p:cNvSpPr>
+          <p:nvPr>
+            <p:ph type="title"/>
+          </p:nvPr>
+        </p:nvSpPr>
+        <p:spPr>
+          <a:xfrm>
+            <a:off x="1646238" y="371475"/>
+            <a:ext cx="8913812" cy="914400"/>
+          </a:xfrm>
+        </p:spPr>
+        <p:txBody>
+          <a:bodyPr rtlCol="0">
+            <a:normAutofit fontScale="90000"/>
+          </a:bodyPr>
+          <a:lstStyle/>
+          <a:p>
+            <a:pPr>
+              <a:defRPr/>
+            </a:pPr>
+            <a:r>
+              <a:rPr lang="en-US" dirty="0">
+                <a:ea typeface="+mj-ea"/>
+                <a:cs typeface="+mj-cs"/>
+              </a:rPr>
+              <a:t>Basic R data structures: data frame</a:t>
+            </a:r>
+          </a:p>
+        </p:txBody>
+      </p:sp>
+      <p:sp>
+        <p:nvSpPr>
+          <p:cNvPr id="3" name="TextBox 2">
+            <a:extLst>
+              <a:ext uri="{FF2B5EF4-FFF2-40B4-BE49-F238E27FC236}">
+                <a16:creationId xmlns:a16="http://schemas.microsoft.com/office/drawing/2014/main" id="{5AFFF0EF-DF3A-E443-A8E8-17AC5386661C}"/>
+              </a:ext>
+            </a:extLst>
+          </p:cNvPr>
+          <p:cNvSpPr txBox="1"/>
+          <p:nvPr/>
+        </p:nvSpPr>
+        <p:spPr>
+          <a:xfrm>
+            <a:off x="819075" y="1685364"/>
+            <a:ext cx="9217588" cy="4093428"/>
+          </a:xfrm>
+          <a:prstGeom prst="rect">
+            <a:avLst/>
+          </a:prstGeom>
+          <a:noFill/>
+        </p:spPr>
+        <p:txBody>
+          <a:bodyPr wrap="none" rtlCol="0">
+            <a:spAutoFit/>
+          </a:bodyPr>
+          <a:lstStyle/>
+          <a:p>
+            <a:pPr lvl="2"/>
+            <a:r>
+              <a:rPr lang="en-US" sz="2000" dirty="0"/>
+              <a:t>&gt; </a:t>
+            </a:r>
+            <a:r>
+              <a:rPr lang="en-US" sz="2000" dirty="0" err="1"/>
+              <a:t>df</a:t>
+            </a:r>
+            <a:r>
+              <a:rPr lang="en-US" sz="2000" dirty="0"/>
+              <a:t> &lt;- </a:t>
+            </a:r>
+            <a:r>
+              <a:rPr lang="en-US" sz="2000" dirty="0" err="1"/>
+              <a:t>data.frame</a:t>
+            </a:r>
+            <a:r>
+              <a:rPr lang="en-US" sz="2000" dirty="0"/>
+              <a:t>(</a:t>
+            </a:r>
+            <a:r>
+              <a:rPr lang="en-US" sz="2000" dirty="0" err="1"/>
+              <a:t>colA</a:t>
+            </a:r>
+            <a:r>
+              <a:rPr lang="en-US" sz="2000" dirty="0"/>
+              <a:t>=1:3, </a:t>
+            </a:r>
+            <a:r>
+              <a:rPr lang="en-US" sz="2000" dirty="0" err="1"/>
+              <a:t>colB</a:t>
+            </a:r>
+            <a:r>
+              <a:rPr lang="en-US" sz="2000" dirty="0"/>
+              <a:t>=letters[1:3], </a:t>
+            </a:r>
+            <a:r>
+              <a:rPr lang="en-US" sz="2000" dirty="0" err="1"/>
+              <a:t>colC</a:t>
+            </a:r>
+            <a:r>
+              <a:rPr lang="en-US" sz="2000" dirty="0"/>
+              <a:t>=c(10,"A",200))</a:t>
+            </a:r>
+          </a:p>
+          <a:p>
+            <a:pPr lvl="2"/>
+            <a:r>
+              <a:rPr lang="en-US" sz="2000" dirty="0"/>
+              <a:t>&gt; </a:t>
+            </a:r>
+            <a:r>
+              <a:rPr lang="en-US" sz="2000" dirty="0" err="1"/>
+              <a:t>df</a:t>
+            </a:r>
+            <a:endParaRPr lang="en-US" sz="2000" dirty="0"/>
+          </a:p>
+          <a:p>
+            <a:pPr lvl="2"/>
+            <a:r>
+              <a:rPr lang="en-US" sz="2000" dirty="0"/>
+              <a:t>  </a:t>
+            </a:r>
+            <a:r>
+              <a:rPr lang="en-US" sz="2000" dirty="0" err="1"/>
+              <a:t>colA</a:t>
+            </a:r>
+            <a:r>
+              <a:rPr lang="en-US" sz="2000" dirty="0"/>
+              <a:t> </a:t>
+            </a:r>
+            <a:r>
+              <a:rPr lang="en-US" sz="2000" dirty="0" err="1"/>
+              <a:t>colB</a:t>
+            </a:r>
+            <a:r>
+              <a:rPr lang="en-US" sz="2000" dirty="0"/>
+              <a:t> </a:t>
+            </a:r>
+            <a:r>
+              <a:rPr lang="en-US" sz="2000" dirty="0" err="1"/>
+              <a:t>colC</a:t>
+            </a:r>
+            <a:endParaRPr lang="en-US" sz="2000" dirty="0"/>
+          </a:p>
+          <a:p>
+            <a:pPr lvl="2"/>
+            <a:r>
+              <a:rPr lang="en-US" sz="2000" dirty="0"/>
+              <a:t>1    1    a   10</a:t>
+            </a:r>
+          </a:p>
+          <a:p>
+            <a:pPr lvl="2"/>
+            <a:r>
+              <a:rPr lang="en-US" sz="2000" dirty="0"/>
+              <a:t>2    2    b    A</a:t>
+            </a:r>
+          </a:p>
+          <a:p>
+            <a:pPr lvl="2"/>
+            <a:r>
+              <a:rPr lang="en-US" sz="2000" dirty="0"/>
+              <a:t>3    3    c  200</a:t>
+            </a:r>
+          </a:p>
+          <a:p>
+            <a:pPr lvl="2"/>
+            <a:r>
+              <a:rPr lang="en-US" sz="2000" dirty="0"/>
+              <a:t>&gt; </a:t>
+            </a:r>
+            <a:r>
+              <a:rPr lang="en-US" sz="2000" dirty="0" err="1"/>
+              <a:t>df$colC</a:t>
+            </a:r>
+            <a:r>
+              <a:rPr lang="en-US" sz="2000" dirty="0"/>
+              <a:t>/2</a:t>
+            </a:r>
+          </a:p>
+          <a:p>
+            <a:pPr lvl="2"/>
+            <a:r>
+              <a:rPr lang="en-US" sz="2000" dirty="0"/>
+              <a:t>[1] NA NA NA</a:t>
+            </a:r>
+          </a:p>
+          <a:p>
+            <a:pPr lvl="2"/>
+            <a:r>
+              <a:rPr lang="en-US" sz="2000" dirty="0"/>
+              <a:t>Warning message:</a:t>
+            </a:r>
+          </a:p>
+          <a:p>
+            <a:pPr lvl="2"/>
+            <a:r>
+              <a:rPr lang="en-US" sz="2000" dirty="0"/>
+              <a:t>In </a:t>
+            </a:r>
+            <a:r>
+              <a:rPr lang="en-US" sz="2000" dirty="0" err="1"/>
+              <a:t>Ops.factor</a:t>
+            </a:r>
+            <a:r>
+              <a:rPr lang="en-US" sz="2000" dirty="0"/>
+              <a:t>(</a:t>
+            </a:r>
+            <a:r>
+              <a:rPr lang="en-US" sz="2000" dirty="0" err="1"/>
+              <a:t>df$colC</a:t>
+            </a:r>
+            <a:r>
+              <a:rPr lang="en-US" sz="2000" dirty="0"/>
+              <a:t>, 2) : ‘/’ not meaningful for factors</a:t>
+            </a:r>
+          </a:p>
+          <a:p>
+            <a:pPr lvl="2"/>
+            <a:r>
+              <a:rPr lang="en-US" sz="2000" dirty="0"/>
+              <a:t>&gt; </a:t>
+            </a:r>
+            <a:r>
+              <a:rPr lang="en-US" sz="2000" dirty="0" err="1"/>
+              <a:t>as.numeric</a:t>
+            </a:r>
+            <a:r>
+              <a:rPr lang="en-US" sz="2000" dirty="0"/>
+              <a:t>(</a:t>
+            </a:r>
+            <a:r>
+              <a:rPr lang="en-US" sz="2000" dirty="0" err="1"/>
+              <a:t>df$colC</a:t>
+            </a:r>
+            <a:r>
+              <a:rPr lang="en-US" sz="2000" dirty="0"/>
+              <a:t>)/2</a:t>
+            </a:r>
+          </a:p>
+          <a:p>
+            <a:pPr lvl="2"/>
+            <a:r>
+              <a:rPr lang="en-US" sz="2000" dirty="0"/>
+              <a:t>[1] 0.5 1.5 1.0</a:t>
+            </a:r>
+          </a:p>
+          <a:p>
+            <a:endParaRPr lang="en-US" sz="2000" dirty="0"/>
+          </a:p>
+        </p:txBody>
+      </p:sp>
+      <p:sp>
+        <p:nvSpPr>
+          <p:cNvPr id="4" name="TextBox 3">
+            <a:extLst>
+              <a:ext uri="{FF2B5EF4-FFF2-40B4-BE49-F238E27FC236}">
+                <a16:creationId xmlns:a16="http://schemas.microsoft.com/office/drawing/2014/main" id="{87638C83-5757-824D-A2C4-9D0FB0B52E14}"/>
+              </a:ext>
+            </a:extLst>
+          </p:cNvPr>
+          <p:cNvSpPr txBox="1"/>
+          <p:nvPr/>
+        </p:nvSpPr>
+        <p:spPr>
+          <a:xfrm>
+            <a:off x="819076" y="5886514"/>
+            <a:ext cx="11157772" cy="830997"/>
+          </a:xfrm>
+          <a:prstGeom prst="rect">
+            <a:avLst/>
+          </a:prstGeom>
+          <a:noFill/>
+        </p:spPr>
+        <p:txBody>
+          <a:bodyPr wrap="square" rtlCol="0">
+            <a:spAutoFit/>
+          </a:bodyPr>
+          <a:lstStyle/>
+          <a:p>
+            <a:r>
+              <a:rPr lang="en-US" sz="2400" b="1" i="1" dirty="0">
+                <a:solidFill>
+                  <a:srgbClr val="FF0000"/>
+                </a:solidFill>
+              </a:rPr>
+              <a:t>Beware of factors!!! By default, </a:t>
+            </a:r>
+            <a:r>
+              <a:rPr lang="en-US" sz="2400" b="1" i="1" dirty="0" err="1">
+                <a:solidFill>
+                  <a:srgbClr val="FF0000"/>
+                </a:solidFill>
+              </a:rPr>
+              <a:t>data.frame</a:t>
+            </a:r>
+            <a:r>
+              <a:rPr lang="en-US" sz="2400" b="1" i="1" dirty="0">
+                <a:solidFill>
+                  <a:srgbClr val="FF0000"/>
+                </a:solidFill>
+              </a:rPr>
+              <a:t>() will convert any characters vector to factors!!</a:t>
+            </a:r>
+          </a:p>
+        </p:txBody>
+      </p:sp>
+    </p:spTree>
+    <p:extLst>
+      <p:ext uri="{BB962C8B-B14F-4D97-AF65-F5344CB8AC3E}">
+        <p14:creationId xmlns:p14="http://schemas.microsoft.com/office/powerpoint/2010/main" val="22213324"/>
+      </p:ext>
+    </p:extLst>
+  </p:cSld>
+  <p:clrMapOvr>
+    <a:masterClrMapping/>
+  </p:clrMapOvr>
+</p:sld>
+</file>
+
+<file path=ppt/slides/slide26.xml><?xml version="1.0" encoding="utf-8"?>
+<p:sld xmlns:a="http://schemas.openxmlformats.org/drawingml/2006/main" xmlns:r="http://schemas.openxmlformats.org/officeDocument/2006/relationships" xmlns:p="http://schemas.openxmlformats.org/presentationml/2006/main">
+  <p:cSld>
+    <p:spTree>
+      <p:nvGrpSpPr>
+        <p:cNvPr id="1" name=""/>
+        <p:cNvGrpSpPr/>
+        <p:nvPr/>
+      </p:nvGrpSpPr>
+      <p:grpSpPr>
+        <a:xfrm>
+          <a:off x="0" y="0"/>
+          <a:ext cx="0" cy="0"/>
+          <a:chOff x="0" y="0"/>
+          <a:chExt cx="0" cy="0"/>
+        </a:xfrm>
+      </p:grpSpPr>
+      <p:sp>
+        <p:nvSpPr>
+          <p:cNvPr id="2" name="Title 1">
+            <a:extLst>
+              <a:ext uri="{FF2B5EF4-FFF2-40B4-BE49-F238E27FC236}">
+                <a16:creationId xmlns:a16="http://schemas.microsoft.com/office/drawing/2014/main" id="{5FE51741-C53F-6443-A9FA-C427987E1F39}"/>
+              </a:ext>
+            </a:extLst>
+          </p:cNvPr>
+          <p:cNvSpPr>
+            <a:spLocks noGrp="1"/>
+          </p:cNvSpPr>
+          <p:nvPr>
+            <p:ph type="title"/>
+          </p:nvPr>
+        </p:nvSpPr>
+        <p:spPr>
+          <a:xfrm>
+            <a:off x="1646238" y="371475"/>
+            <a:ext cx="8913812" cy="914400"/>
+          </a:xfrm>
+        </p:spPr>
+        <p:txBody>
+          <a:bodyPr rtlCol="0">
+            <a:normAutofit fontScale="90000"/>
+          </a:bodyPr>
+          <a:lstStyle/>
+          <a:p>
+            <a:pPr>
+              <a:defRPr/>
+            </a:pPr>
+            <a:r>
+              <a:rPr lang="en-US" dirty="0">
+                <a:ea typeface="+mj-ea"/>
+                <a:cs typeface="+mj-cs"/>
+              </a:rPr>
+              <a:t>Basic R data structures: data frame</a:t>
+            </a:r>
+          </a:p>
+        </p:txBody>
+      </p:sp>
+      <p:sp>
+        <p:nvSpPr>
+          <p:cNvPr id="3" name="TextBox 2">
+            <a:extLst>
+              <a:ext uri="{FF2B5EF4-FFF2-40B4-BE49-F238E27FC236}">
+                <a16:creationId xmlns:a16="http://schemas.microsoft.com/office/drawing/2014/main" id="{5AFFF0EF-DF3A-E443-A8E8-17AC5386661C}"/>
+              </a:ext>
+            </a:extLst>
+          </p:cNvPr>
+          <p:cNvSpPr txBox="1"/>
+          <p:nvPr/>
+        </p:nvSpPr>
+        <p:spPr>
+          <a:xfrm>
+            <a:off x="-830431" y="1775011"/>
+            <a:ext cx="9422772" cy="5109091"/>
+          </a:xfrm>
+          <a:prstGeom prst="rect">
+            <a:avLst/>
+          </a:prstGeom>
+          <a:noFill/>
+        </p:spPr>
+        <p:txBody>
+          <a:bodyPr wrap="none" rtlCol="0">
+            <a:spAutoFit/>
+          </a:bodyPr>
+          <a:lstStyle/>
+          <a:p>
+            <a:pPr lvl="2"/>
+            <a:r>
+              <a:rPr lang="en-US" sz="2200" dirty="0"/>
+              <a:t>&gt; </a:t>
+            </a:r>
+            <a:r>
+              <a:rPr lang="en-US" sz="2200" dirty="0" err="1"/>
+              <a:t>df</a:t>
+            </a:r>
+            <a:r>
+              <a:rPr lang="en-US" sz="2200" dirty="0"/>
+              <a:t> &lt;- </a:t>
+            </a:r>
+            <a:r>
+              <a:rPr lang="en-US" sz="2200" dirty="0" err="1"/>
+              <a:t>data.frame</a:t>
+            </a:r>
+            <a:r>
+              <a:rPr lang="en-US" sz="2200" dirty="0"/>
+              <a:t>(</a:t>
+            </a:r>
+            <a:r>
+              <a:rPr lang="en-US" sz="2200" dirty="0" err="1"/>
+              <a:t>colA</a:t>
+            </a:r>
+            <a:r>
+              <a:rPr lang="en-US" sz="2200" dirty="0"/>
+              <a:t>=1:3, </a:t>
+            </a:r>
+            <a:r>
+              <a:rPr lang="en-US" sz="2200" dirty="0" err="1"/>
+              <a:t>colB</a:t>
+            </a:r>
+            <a:r>
+              <a:rPr lang="en-US" sz="2200" dirty="0"/>
+              <a:t>=letters[1:3], </a:t>
+            </a:r>
+          </a:p>
+          <a:p>
+            <a:pPr lvl="2"/>
+            <a:r>
+              <a:rPr lang="en-US" sz="2200" dirty="0"/>
+              <a:t>	</a:t>
+            </a:r>
+            <a:r>
+              <a:rPr lang="en-US" sz="2200" dirty="0" err="1"/>
+              <a:t>colC</a:t>
+            </a:r>
+            <a:r>
+              <a:rPr lang="en-US" sz="2200" dirty="0"/>
+              <a:t>=c(10,"A",200),</a:t>
+            </a:r>
+            <a:r>
+              <a:rPr lang="en-US" sz="2200" dirty="0" err="1"/>
+              <a:t>stringsAsFactors</a:t>
+            </a:r>
+            <a:r>
+              <a:rPr lang="en-US" sz="2200" dirty="0"/>
+              <a:t>=FALSE)</a:t>
+            </a:r>
+          </a:p>
+          <a:p>
+            <a:pPr lvl="2"/>
+            <a:r>
+              <a:rPr lang="en-US" sz="2200" dirty="0"/>
+              <a:t>&gt; </a:t>
+            </a:r>
+            <a:r>
+              <a:rPr lang="en-US" sz="2200" dirty="0" err="1"/>
+              <a:t>df</a:t>
+            </a:r>
+            <a:endParaRPr lang="en-US" sz="2200" dirty="0"/>
+          </a:p>
+          <a:p>
+            <a:pPr lvl="2"/>
+            <a:r>
+              <a:rPr lang="en-US" sz="2200" dirty="0"/>
+              <a:t>  </a:t>
+            </a:r>
+            <a:r>
+              <a:rPr lang="en-US" sz="2200" dirty="0" err="1"/>
+              <a:t>colA</a:t>
+            </a:r>
+            <a:r>
+              <a:rPr lang="en-US" sz="2200" dirty="0"/>
+              <a:t> </a:t>
+            </a:r>
+            <a:r>
+              <a:rPr lang="en-US" sz="2200" dirty="0" err="1"/>
+              <a:t>colB</a:t>
+            </a:r>
+            <a:r>
+              <a:rPr lang="en-US" sz="2200" dirty="0"/>
+              <a:t> </a:t>
+            </a:r>
+            <a:r>
+              <a:rPr lang="en-US" sz="2200" dirty="0" err="1"/>
+              <a:t>colC</a:t>
+            </a:r>
+            <a:endParaRPr lang="en-US" sz="2200" dirty="0"/>
+          </a:p>
+          <a:p>
+            <a:pPr lvl="2"/>
+            <a:r>
+              <a:rPr lang="en-US" sz="2200" dirty="0"/>
+              <a:t>1    1    a   10</a:t>
+            </a:r>
+          </a:p>
+          <a:p>
+            <a:pPr lvl="2"/>
+            <a:r>
+              <a:rPr lang="en-US" sz="2200" dirty="0"/>
+              <a:t>2    2    b    A</a:t>
+            </a:r>
+          </a:p>
+          <a:p>
+            <a:pPr lvl="2"/>
+            <a:r>
+              <a:rPr lang="en-US" sz="2200" dirty="0"/>
+              <a:t>3    3    c  200</a:t>
+            </a:r>
+          </a:p>
+          <a:p>
+            <a:pPr lvl="2"/>
+            <a:r>
+              <a:rPr lang="en-US" sz="2200" dirty="0"/>
+              <a:t>&gt; </a:t>
+            </a:r>
+            <a:r>
+              <a:rPr lang="en-US" sz="2200" dirty="0" err="1"/>
+              <a:t>str</a:t>
+            </a:r>
+            <a:r>
+              <a:rPr lang="en-US" sz="2200" dirty="0"/>
+              <a:t>(</a:t>
+            </a:r>
+            <a:r>
+              <a:rPr lang="en-US" sz="2200" dirty="0" err="1"/>
+              <a:t>df</a:t>
+            </a:r>
+            <a:r>
+              <a:rPr lang="en-US" sz="2200" dirty="0"/>
+              <a:t>)</a:t>
+            </a:r>
+          </a:p>
+          <a:p>
+            <a:pPr lvl="2"/>
+            <a:r>
+              <a:rPr lang="en-US" sz="2200" dirty="0"/>
+              <a:t>'</a:t>
+            </a:r>
+            <a:r>
+              <a:rPr lang="en-US" sz="2200" dirty="0" err="1"/>
+              <a:t>data.frame</a:t>
+            </a:r>
+            <a:r>
+              <a:rPr lang="en-US" sz="2200" dirty="0"/>
+              <a:t>':	3 obs. of  3 variables:</a:t>
+            </a:r>
+          </a:p>
+          <a:p>
+            <a:pPr lvl="2"/>
+            <a:r>
+              <a:rPr lang="en-US" sz="2200" dirty="0"/>
+              <a:t> $ </a:t>
+            </a:r>
+            <a:r>
+              <a:rPr lang="en-US" sz="2200" dirty="0" err="1"/>
+              <a:t>colA</a:t>
+            </a:r>
+            <a:r>
+              <a:rPr lang="en-US" sz="2200" dirty="0"/>
+              <a:t>: </a:t>
+            </a:r>
+            <a:r>
+              <a:rPr lang="en-US" sz="2200" dirty="0" err="1"/>
+              <a:t>int</a:t>
+            </a:r>
+            <a:r>
+              <a:rPr lang="en-US" sz="2200" dirty="0"/>
+              <a:t>  1 2 3</a:t>
+            </a:r>
+          </a:p>
+          <a:p>
+            <a:pPr lvl="2"/>
+            <a:r>
+              <a:rPr lang="en-US" sz="2200" dirty="0"/>
+              <a:t> $ </a:t>
+            </a:r>
+            <a:r>
+              <a:rPr lang="en-US" sz="2200" dirty="0" err="1"/>
+              <a:t>colB</a:t>
+            </a:r>
+            <a:r>
+              <a:rPr lang="en-US" sz="2200" dirty="0"/>
+              <a:t>: </a:t>
+            </a:r>
+            <a:r>
+              <a:rPr lang="en-US" sz="2200" dirty="0" err="1"/>
+              <a:t>chr</a:t>
+            </a:r>
+            <a:r>
+              <a:rPr lang="en-US" sz="2200" dirty="0"/>
+              <a:t>  "a" "b" "c"</a:t>
+            </a:r>
+          </a:p>
+          <a:p>
+            <a:pPr lvl="2"/>
+            <a:r>
+              <a:rPr lang="en-US" sz="2200" dirty="0"/>
+              <a:t> $ </a:t>
+            </a:r>
+            <a:r>
+              <a:rPr lang="en-US" sz="2200" dirty="0" err="1"/>
+              <a:t>colC</a:t>
+            </a:r>
+            <a:r>
+              <a:rPr lang="en-US" sz="2200" dirty="0"/>
+              <a:t>: </a:t>
+            </a:r>
+            <a:r>
+              <a:rPr lang="en-US" sz="2200" dirty="0" err="1"/>
+              <a:t>chr</a:t>
+            </a:r>
+            <a:r>
+              <a:rPr lang="en-US" sz="2200" dirty="0"/>
+              <a:t>  "10" "A" "200"</a:t>
+            </a:r>
+          </a:p>
+          <a:p>
+            <a:pPr lvl="2"/>
+            <a:r>
+              <a:rPr lang="en-US" sz="2200" dirty="0"/>
+              <a:t>&gt; </a:t>
+            </a:r>
+            <a:r>
+              <a:rPr lang="en-US" sz="2200" dirty="0" err="1"/>
+              <a:t>df$colC</a:t>
+            </a:r>
+            <a:r>
+              <a:rPr lang="en-US" sz="2200" dirty="0"/>
+              <a:t>/2</a:t>
+            </a:r>
+          </a:p>
+          <a:p>
+            <a:pPr lvl="2"/>
+            <a:r>
+              <a:rPr lang="en-US" sz="2200" dirty="0"/>
+              <a:t>Error in </a:t>
+            </a:r>
+            <a:r>
+              <a:rPr lang="en-US" sz="2200" dirty="0" err="1"/>
+              <a:t>df$colC</a:t>
+            </a:r>
+            <a:r>
+              <a:rPr lang="en-US" sz="2200" dirty="0"/>
+              <a:t>/2 : non-numeric argument to binary operator</a:t>
+            </a:r>
+          </a:p>
+          <a:p>
+            <a:pPr lvl="2"/>
+            <a:endParaRPr lang="en-US" dirty="0"/>
+          </a:p>
+        </p:txBody>
+      </p:sp>
+      <p:sp>
+        <p:nvSpPr>
+          <p:cNvPr id="5" name="TextBox 4">
+            <a:extLst>
+              <a:ext uri="{FF2B5EF4-FFF2-40B4-BE49-F238E27FC236}">
+                <a16:creationId xmlns:a16="http://schemas.microsoft.com/office/drawing/2014/main" id="{3D6B0CF1-A09D-2148-BBF9-430FC88A2649}"/>
+              </a:ext>
+            </a:extLst>
+          </p:cNvPr>
+          <p:cNvSpPr txBox="1"/>
+          <p:nvPr/>
+        </p:nvSpPr>
+        <p:spPr>
+          <a:xfrm>
+            <a:off x="6816053" y="2883006"/>
+            <a:ext cx="3552576" cy="1446550"/>
+          </a:xfrm>
+          <a:prstGeom prst="rect">
+            <a:avLst/>
+          </a:prstGeom>
+          <a:noFill/>
+        </p:spPr>
+        <p:txBody>
+          <a:bodyPr wrap="none" rtlCol="0">
+            <a:spAutoFit/>
+          </a:bodyPr>
+          <a:lstStyle/>
+          <a:p>
+            <a:pPr lvl="2"/>
+            <a:r>
+              <a:rPr lang="en-US" sz="2200" dirty="0"/>
+              <a:t>&gt; </a:t>
+            </a:r>
+            <a:r>
+              <a:rPr lang="en-US" sz="2200" dirty="0" err="1"/>
+              <a:t>df$colC</a:t>
+            </a:r>
+            <a:endParaRPr lang="en-US" sz="2200" dirty="0"/>
+          </a:p>
+          <a:p>
+            <a:pPr lvl="2"/>
+            <a:r>
+              <a:rPr lang="en-US" sz="2200" dirty="0"/>
+              <a:t>[1] "10"  "A"   "200"</a:t>
+            </a:r>
+          </a:p>
+          <a:p>
+            <a:pPr lvl="2"/>
+            <a:r>
+              <a:rPr lang="en-US" sz="2200" dirty="0"/>
+              <a:t>&gt; </a:t>
+            </a:r>
+            <a:r>
+              <a:rPr lang="en-US" sz="2200" dirty="0" err="1"/>
+              <a:t>typeof</a:t>
+            </a:r>
+            <a:r>
+              <a:rPr lang="en-US" sz="2200" dirty="0"/>
+              <a:t>(</a:t>
+            </a:r>
+            <a:r>
+              <a:rPr lang="en-US" sz="2200" dirty="0" err="1"/>
+              <a:t>df$colC</a:t>
+            </a:r>
+            <a:r>
+              <a:rPr lang="en-US" sz="2200" dirty="0"/>
+              <a:t>)</a:t>
+            </a:r>
+          </a:p>
+          <a:p>
+            <a:pPr lvl="2"/>
+            <a:r>
+              <a:rPr lang="en-US" sz="2200" dirty="0"/>
+              <a:t>[1] "character"</a:t>
+            </a:r>
+            <a:endParaRPr lang="en-US" dirty="0"/>
+          </a:p>
+        </p:txBody>
+      </p:sp>
+    </p:spTree>
+    <p:extLst>
+      <p:ext uri="{BB962C8B-B14F-4D97-AF65-F5344CB8AC3E}">
+        <p14:creationId xmlns:p14="http://schemas.microsoft.com/office/powerpoint/2010/main" val="3932878830"/>
+      </p:ext>
+    </p:extLst>
+  </p:cSld>
+  <p:clrMapOvr>
+    <a:masterClrMapping/>
+  </p:clrMapOvr>
+</p:sld>
+</file>
+
+<file path=ppt/slides/slide27.xml><?xml version="1.0" encoding="utf-8"?>
+<p:sld xmlns:a="http://schemas.openxmlformats.org/drawingml/2006/main" xmlns:r="http://schemas.openxmlformats.org/officeDocument/2006/relationships" xmlns:p="http://schemas.openxmlformats.org/presentationml/2006/main">
+  <p:cSld>
+    <p:spTree>
+      <p:nvGrpSpPr>
+        <p:cNvPr id="1" name=""/>
+        <p:cNvGrpSpPr/>
+        <p:nvPr/>
+      </p:nvGrpSpPr>
+      <p:grpSpPr>
+        <a:xfrm>
+          <a:off x="0" y="0"/>
+          <a:ext cx="0" cy="0"/>
+          <a:chOff x="0" y="0"/>
+          <a:chExt cx="0" cy="0"/>
+        </a:xfrm>
+      </p:grpSpPr>
+      <p:sp>
+        <p:nvSpPr>
+          <p:cNvPr id="2" name="Title 1">
+            <a:extLst>
+              <a:ext uri="{FF2B5EF4-FFF2-40B4-BE49-F238E27FC236}">
+                <a16:creationId xmlns:a16="http://schemas.microsoft.com/office/drawing/2014/main" id="{5FE51741-C53F-6443-A9FA-C427987E1F39}"/>
+              </a:ext>
+            </a:extLst>
+          </p:cNvPr>
+          <p:cNvSpPr>
+            <a:spLocks noGrp="1"/>
+          </p:cNvSpPr>
+          <p:nvPr>
+            <p:ph type="title"/>
+          </p:nvPr>
+        </p:nvSpPr>
+        <p:spPr>
+          <a:xfrm>
+            <a:off x="1646238" y="371475"/>
+            <a:ext cx="8913812" cy="914400"/>
+          </a:xfrm>
+        </p:spPr>
+        <p:txBody>
+          <a:bodyPr rtlCol="0">
+            <a:normAutofit/>
+          </a:bodyPr>
+          <a:lstStyle/>
+          <a:p>
+            <a:pPr>
+              <a:defRPr/>
+            </a:pPr>
+            <a:r>
+              <a:rPr lang="en-US" dirty="0">
+                <a:ea typeface="+mj-ea"/>
+                <a:cs typeface="+mj-cs"/>
+              </a:rPr>
+              <a:t>Basic R data structures: factors</a:t>
+            </a:r>
+          </a:p>
+        </p:txBody>
+      </p:sp>
+      <p:sp>
+        <p:nvSpPr>
+          <p:cNvPr id="3" name="TextBox 2">
+            <a:extLst>
+              <a:ext uri="{FF2B5EF4-FFF2-40B4-BE49-F238E27FC236}">
+                <a16:creationId xmlns:a16="http://schemas.microsoft.com/office/drawing/2014/main" id="{5AFFF0EF-DF3A-E443-A8E8-17AC5386661C}"/>
+              </a:ext>
+            </a:extLst>
+          </p:cNvPr>
+          <p:cNvSpPr txBox="1"/>
+          <p:nvPr/>
+        </p:nvSpPr>
+        <p:spPr>
+          <a:xfrm>
+            <a:off x="261465" y="1586387"/>
+            <a:ext cx="11518160" cy="830997"/>
+          </a:xfrm>
+          <a:prstGeom prst="rect">
+            <a:avLst/>
+          </a:prstGeom>
+          <a:noFill/>
+        </p:spPr>
+        <p:txBody>
+          <a:bodyPr wrap="square" rtlCol="0">
+            <a:spAutoFit/>
+          </a:bodyPr>
+          <a:lstStyle/>
+          <a:p>
+            <a:r>
+              <a:rPr lang="en-US" sz="2400" dirty="0"/>
+              <a:t>Why do we care about factors? What if you have gender coded as 0/1, would you want them as factors?</a:t>
+            </a:r>
+          </a:p>
+        </p:txBody>
+      </p:sp>
+      <p:sp>
+        <p:nvSpPr>
+          <p:cNvPr id="4" name="TextBox 3">
+            <a:extLst>
+              <a:ext uri="{FF2B5EF4-FFF2-40B4-BE49-F238E27FC236}">
+                <a16:creationId xmlns:a16="http://schemas.microsoft.com/office/drawing/2014/main" id="{403359D4-C9F0-0B46-961E-E0DB42413392}"/>
+              </a:ext>
+            </a:extLst>
+          </p:cNvPr>
+          <p:cNvSpPr txBox="1"/>
+          <p:nvPr/>
+        </p:nvSpPr>
+        <p:spPr>
+          <a:xfrm>
+            <a:off x="-48778" y="2890006"/>
+            <a:ext cx="2428870" cy="2554545"/>
+          </a:xfrm>
+          <a:prstGeom prst="rect">
+            <a:avLst/>
+          </a:prstGeom>
+          <a:noFill/>
+        </p:spPr>
+        <p:txBody>
+          <a:bodyPr wrap="none" rtlCol="0">
+            <a:spAutoFit/>
+          </a:bodyPr>
+          <a:lstStyle/>
+          <a:p>
+            <a:r>
+              <a:rPr lang="en-US" sz="2000" dirty="0"/>
+              <a:t>&gt; a</a:t>
+            </a:r>
+          </a:p>
+          <a:p>
+            <a:r>
+              <a:rPr lang="en-US" sz="2000" dirty="0"/>
+              <a:t>[1] 1 2 3 4 5</a:t>
+            </a:r>
+          </a:p>
+          <a:p>
+            <a:r>
+              <a:rPr lang="en-US" sz="2000" dirty="0"/>
+              <a:t>&gt; b &lt;- </a:t>
+            </a:r>
+            <a:r>
+              <a:rPr lang="en-US" sz="2000" dirty="0" err="1"/>
+              <a:t>as.factor</a:t>
+            </a:r>
+            <a:r>
+              <a:rPr lang="en-US" sz="2000" dirty="0"/>
+              <a:t>(a)</a:t>
+            </a:r>
+          </a:p>
+          <a:p>
+            <a:r>
+              <a:rPr lang="en-US" sz="2000" dirty="0"/>
+              <a:t>&gt; b</a:t>
+            </a:r>
+          </a:p>
+          <a:p>
+            <a:r>
+              <a:rPr lang="en-US" sz="2000" dirty="0"/>
+              <a:t>[1] 1 2 3 4 5</a:t>
+            </a:r>
+          </a:p>
+          <a:p>
+            <a:r>
+              <a:rPr lang="en-US" sz="2000" dirty="0"/>
+              <a:t>Levels: 1 2 3 4 5</a:t>
+            </a:r>
+          </a:p>
+          <a:p>
+            <a:r>
+              <a:rPr lang="en-US" sz="2000" dirty="0"/>
+              <a:t>&gt; mode(b)</a:t>
+            </a:r>
+          </a:p>
+          <a:p>
+            <a:r>
+              <a:rPr lang="en-US" sz="2000" dirty="0"/>
+              <a:t>[1] "numeric"</a:t>
+            </a:r>
+          </a:p>
+        </p:txBody>
+      </p:sp>
+      <p:sp>
+        <p:nvSpPr>
+          <p:cNvPr id="6" name="TextBox 5">
+            <a:extLst>
+              <a:ext uri="{FF2B5EF4-FFF2-40B4-BE49-F238E27FC236}">
+                <a16:creationId xmlns:a16="http://schemas.microsoft.com/office/drawing/2014/main" id="{3201C6FC-D116-394D-8725-3509146ACEEC}"/>
+              </a:ext>
+            </a:extLst>
+          </p:cNvPr>
+          <p:cNvSpPr txBox="1"/>
+          <p:nvPr/>
+        </p:nvSpPr>
+        <p:spPr>
+          <a:xfrm>
+            <a:off x="2826272" y="2890006"/>
+            <a:ext cx="4376519" cy="3477875"/>
+          </a:xfrm>
+          <a:prstGeom prst="rect">
+            <a:avLst/>
+          </a:prstGeom>
+          <a:noFill/>
+        </p:spPr>
+        <p:txBody>
+          <a:bodyPr wrap="none" rtlCol="0">
+            <a:spAutoFit/>
+          </a:bodyPr>
+          <a:lstStyle/>
+          <a:p>
+            <a:r>
+              <a:rPr lang="en-US" sz="2000" dirty="0"/>
+              <a:t>&gt; f &lt;- factor(sample(1:100/100, 5))</a:t>
+            </a:r>
+          </a:p>
+          <a:p>
+            <a:r>
+              <a:rPr lang="en-US" sz="2000" dirty="0"/>
+              <a:t>&gt; f</a:t>
+            </a:r>
+          </a:p>
+          <a:p>
+            <a:r>
+              <a:rPr lang="en-US" sz="2000" dirty="0"/>
+              <a:t>[1] 0.98 0.19 0.5  0.23 0.12</a:t>
+            </a:r>
+          </a:p>
+          <a:p>
+            <a:r>
+              <a:rPr lang="en-US" sz="2000" dirty="0"/>
+              <a:t>Levels: 0.12 0.19 0.23 0.5 0.98</a:t>
+            </a:r>
+          </a:p>
+          <a:p>
+            <a:r>
+              <a:rPr lang="en-US" sz="2000" dirty="0"/>
+              <a:t>&gt; mode(f)</a:t>
+            </a:r>
+          </a:p>
+          <a:p>
+            <a:r>
+              <a:rPr lang="en-US" sz="2000" dirty="0"/>
+              <a:t>[1] "numeric"</a:t>
+            </a:r>
+          </a:p>
+          <a:p>
+            <a:r>
+              <a:rPr lang="en-US" sz="2000" dirty="0"/>
+              <a:t>&gt; </a:t>
+            </a:r>
+            <a:r>
+              <a:rPr lang="en-US" sz="2000" dirty="0" err="1"/>
+              <a:t>as.numeric</a:t>
+            </a:r>
+            <a:r>
+              <a:rPr lang="en-US" sz="2000" dirty="0"/>
+              <a:t>(f)</a:t>
+            </a:r>
+          </a:p>
+          <a:p>
+            <a:r>
+              <a:rPr lang="en-US" sz="2000" dirty="0"/>
+              <a:t>[1] 5 2 4 3 1</a:t>
+            </a:r>
+          </a:p>
+          <a:p>
+            <a:r>
+              <a:rPr lang="en-US" sz="2000" dirty="0"/>
+              <a:t>&gt; </a:t>
+            </a:r>
+            <a:r>
+              <a:rPr lang="en-US" sz="2000" dirty="0" err="1"/>
+              <a:t>as.numeric</a:t>
+            </a:r>
+            <a:r>
+              <a:rPr lang="en-US" sz="2000" dirty="0"/>
+              <a:t>(levels(f)[f])</a:t>
+            </a:r>
+          </a:p>
+          <a:p>
+            <a:r>
+              <a:rPr lang="en-US" sz="2000" dirty="0"/>
+              <a:t>[1] 0.98 0.19 0.50 0.23 0.12</a:t>
+            </a:r>
+          </a:p>
+          <a:p>
+            <a:endParaRPr lang="en-US" sz="2000" dirty="0"/>
+          </a:p>
+        </p:txBody>
+      </p:sp>
+      <p:sp>
+        <p:nvSpPr>
+          <p:cNvPr id="7" name="TextBox 6">
+            <a:extLst>
+              <a:ext uri="{FF2B5EF4-FFF2-40B4-BE49-F238E27FC236}">
+                <a16:creationId xmlns:a16="http://schemas.microsoft.com/office/drawing/2014/main" id="{FF2104FE-347A-0B4E-8586-4E26C9F1ADA3}"/>
+              </a:ext>
+            </a:extLst>
+          </p:cNvPr>
+          <p:cNvSpPr txBox="1"/>
+          <p:nvPr/>
+        </p:nvSpPr>
+        <p:spPr>
+          <a:xfrm>
+            <a:off x="7762570" y="2890006"/>
+            <a:ext cx="5398253" cy="2554545"/>
+          </a:xfrm>
+          <a:prstGeom prst="rect">
+            <a:avLst/>
+          </a:prstGeom>
+          <a:noFill/>
+        </p:spPr>
+        <p:txBody>
+          <a:bodyPr wrap="square" rtlCol="0">
+            <a:spAutoFit/>
+          </a:bodyPr>
+          <a:lstStyle/>
+          <a:p>
+            <a:r>
+              <a:rPr lang="en-US" sz="2000" dirty="0"/>
+              <a:t>&gt; a &lt;- </a:t>
+            </a:r>
+            <a:r>
+              <a:rPr lang="en-US" sz="2000" dirty="0" err="1"/>
+              <a:t>as.factor</a:t>
+            </a:r>
+            <a:r>
+              <a:rPr lang="en-US" sz="2000" dirty="0"/>
+              <a:t>(letters[1:3])</a:t>
+            </a:r>
+          </a:p>
+          <a:p>
+            <a:r>
+              <a:rPr lang="en-US" sz="2000" dirty="0"/>
+              <a:t>&gt; a</a:t>
+            </a:r>
+          </a:p>
+          <a:p>
+            <a:r>
+              <a:rPr lang="en-US" sz="2000" dirty="0"/>
+              <a:t>[1] a b c</a:t>
+            </a:r>
+          </a:p>
+          <a:p>
+            <a:r>
+              <a:rPr lang="en-US" sz="2000" dirty="0"/>
+              <a:t>Levels: a b c</a:t>
+            </a:r>
+          </a:p>
+          <a:p>
+            <a:r>
+              <a:rPr lang="en-US" sz="2000" dirty="0"/>
+              <a:t>&gt; a &lt;- factor(a, levels=c("</a:t>
+            </a:r>
+            <a:r>
+              <a:rPr lang="en-US" sz="2000" dirty="0" err="1"/>
+              <a:t>c","a","b</a:t>
+            </a:r>
+            <a:r>
+              <a:rPr lang="en-US" sz="2000" dirty="0"/>
+              <a:t>"))</a:t>
+            </a:r>
+          </a:p>
+          <a:p>
+            <a:r>
+              <a:rPr lang="en-US" sz="2000" dirty="0"/>
+              <a:t>&gt; a</a:t>
+            </a:r>
+          </a:p>
+          <a:p>
+            <a:r>
+              <a:rPr lang="en-US" sz="2000" dirty="0"/>
+              <a:t>[1] a b c</a:t>
+            </a:r>
+          </a:p>
+          <a:p>
+            <a:r>
+              <a:rPr lang="en-US" sz="2000" dirty="0"/>
+              <a:t>Levels: c a b</a:t>
+            </a:r>
+          </a:p>
+        </p:txBody>
+      </p:sp>
+      <p:sp>
+        <p:nvSpPr>
+          <p:cNvPr id="8" name="TextBox 7">
+            <a:extLst>
+              <a:ext uri="{FF2B5EF4-FFF2-40B4-BE49-F238E27FC236}">
+                <a16:creationId xmlns:a16="http://schemas.microsoft.com/office/drawing/2014/main" id="{7412FCDE-1DBD-7341-B700-DB10D5DF8B16}"/>
+              </a:ext>
+            </a:extLst>
+          </p:cNvPr>
+          <p:cNvSpPr txBox="1"/>
+          <p:nvPr/>
+        </p:nvSpPr>
+        <p:spPr>
+          <a:xfrm>
+            <a:off x="2919565" y="6396335"/>
+            <a:ext cx="5519460" cy="461665"/>
+          </a:xfrm>
+          <a:prstGeom prst="rect">
+            <a:avLst/>
+          </a:prstGeom>
+          <a:noFill/>
+        </p:spPr>
+        <p:txBody>
+          <a:bodyPr wrap="none" rtlCol="0">
+            <a:spAutoFit/>
+          </a:bodyPr>
+          <a:lstStyle/>
+          <a:p>
+            <a:r>
+              <a:rPr lang="en-US" sz="2400" b="1" i="1" dirty="0">
+                <a:solidFill>
+                  <a:srgbClr val="FF0000"/>
+                </a:solidFill>
+              </a:rPr>
+              <a:t>Look at your output for every step!!!!</a:t>
+            </a:r>
+          </a:p>
+        </p:txBody>
+      </p:sp>
+      <p:sp>
+        <p:nvSpPr>
+          <p:cNvPr id="9" name="TextBox 8">
+            <a:extLst>
+              <a:ext uri="{FF2B5EF4-FFF2-40B4-BE49-F238E27FC236}">
+                <a16:creationId xmlns:a16="http://schemas.microsoft.com/office/drawing/2014/main" id="{0E8DAA35-7A52-224B-8B5D-E5318A3CC324}"/>
+              </a:ext>
+            </a:extLst>
+          </p:cNvPr>
+          <p:cNvSpPr txBox="1"/>
+          <p:nvPr/>
+        </p:nvSpPr>
+        <p:spPr>
+          <a:xfrm>
+            <a:off x="-32661" y="2563586"/>
+            <a:ext cx="1721946" cy="369332"/>
+          </a:xfrm>
+          <a:prstGeom prst="rect">
+            <a:avLst/>
+          </a:prstGeom>
+          <a:noFill/>
+        </p:spPr>
+        <p:txBody>
+          <a:bodyPr wrap="none" rtlCol="0">
+            <a:spAutoFit/>
+          </a:bodyPr>
+          <a:lstStyle/>
+          <a:p>
+            <a:r>
+              <a:rPr lang="en-US" b="1" u="sng" dirty="0"/>
+              <a:t>Define factor:</a:t>
+            </a:r>
+          </a:p>
+        </p:txBody>
+      </p:sp>
+      <p:sp>
+        <p:nvSpPr>
+          <p:cNvPr id="10" name="TextBox 9">
+            <a:extLst>
+              <a:ext uri="{FF2B5EF4-FFF2-40B4-BE49-F238E27FC236}">
+                <a16:creationId xmlns:a16="http://schemas.microsoft.com/office/drawing/2014/main" id="{B7D5C05E-AC89-FD4B-89FD-8142D1ACA695}"/>
+              </a:ext>
+            </a:extLst>
+          </p:cNvPr>
+          <p:cNvSpPr txBox="1"/>
+          <p:nvPr/>
+        </p:nvSpPr>
+        <p:spPr>
+          <a:xfrm>
+            <a:off x="2825568" y="2533230"/>
+            <a:ext cx="4187365" cy="369332"/>
+          </a:xfrm>
+          <a:prstGeom prst="rect">
+            <a:avLst/>
+          </a:prstGeom>
+          <a:noFill/>
+        </p:spPr>
+        <p:txBody>
+          <a:bodyPr wrap="none" rtlCol="0">
+            <a:spAutoFit/>
+          </a:bodyPr>
+          <a:lstStyle/>
+          <a:p>
+            <a:r>
+              <a:rPr lang="en-US" b="1" u="sng" dirty="0"/>
+              <a:t>Common error with numeric/factors</a:t>
+            </a:r>
+          </a:p>
+        </p:txBody>
+      </p:sp>
+      <p:sp>
+        <p:nvSpPr>
+          <p:cNvPr id="11" name="TextBox 10">
+            <a:extLst>
+              <a:ext uri="{FF2B5EF4-FFF2-40B4-BE49-F238E27FC236}">
+                <a16:creationId xmlns:a16="http://schemas.microsoft.com/office/drawing/2014/main" id="{A090044D-3D12-A341-8A80-C1E2524131A5}"/>
+              </a:ext>
+            </a:extLst>
+          </p:cNvPr>
+          <p:cNvSpPr txBox="1"/>
+          <p:nvPr/>
+        </p:nvSpPr>
+        <p:spPr>
+          <a:xfrm>
+            <a:off x="7762570" y="2537814"/>
+            <a:ext cx="3347391" cy="369332"/>
+          </a:xfrm>
+          <a:prstGeom prst="rect">
+            <a:avLst/>
+          </a:prstGeom>
+          <a:noFill/>
+        </p:spPr>
+        <p:txBody>
+          <a:bodyPr wrap="none" rtlCol="0">
+            <a:spAutoFit/>
+          </a:bodyPr>
+          <a:lstStyle/>
+          <a:p>
+            <a:r>
+              <a:rPr lang="en-US" b="1" u="sng" dirty="0"/>
+              <a:t>Change factor order (why?)</a:t>
+            </a:r>
+          </a:p>
+        </p:txBody>
+      </p:sp>
+    </p:spTree>
+    <p:extLst>
+      <p:ext uri="{BB962C8B-B14F-4D97-AF65-F5344CB8AC3E}">
+        <p14:creationId xmlns:p14="http://schemas.microsoft.com/office/powerpoint/2010/main" val="2125362855"/>
+      </p:ext>
+    </p:extLst>
+  </p:cSld>
+  <p:clrMapOvr>
+    <a:masterClrMapping/>
+  </p:clrMapOvr>
+  <p:timing>
+    <p:tnLst>
+      <p:par>
+        <p:cTn id="1" dur="indefinite" restart="never" nodeType="tmRoot">
+          <p:childTnLst>
+            <p:seq concurrent="1" nextAc="seek">
+              <p:cTn id="2" dur="indefinite" nodeType="mainSeq">
+                <p:childTnLst>
+                  <p:par>
+                    <p:cTn id="3" fill="hold">
+                      <p:stCondLst>
+                        <p:cond delay="indefinite"/>
+                      </p:stCondLst>
+                      <p:childTnLst>
+                        <p:par>
+                          <p:cTn id="4" fill="hold">
+                            <p:stCondLst>
+                              <p:cond delay="0"/>
+                            </p:stCondLst>
+                            <p:childTnLst>
+                              <p:par>
+                                <p:cTn id="5" presetID="1" presetClass="entr" presetSubtype="0" fill="hold" grpId="0" nodeType="clickEffect">
+                                  <p:stCondLst>
+                                    <p:cond delay="0"/>
+                                  </p:stCondLst>
+                                  <p:childTnLst>
+                                    <p:set>
+                                      <p:cBhvr>
+                                        <p:cTn id="6" dur="1" fill="hold">
+                                          <p:stCondLst>
+                                            <p:cond delay="0"/>
+                                          </p:stCondLst>
+                                        </p:cTn>
+                                        <p:tgtEl>
+                                          <p:spTgt spid="6"/>
+                                        </p:tgtEl>
+                                        <p:attrNameLst>
+                                          <p:attrName>style.visibility</p:attrName>
+                                        </p:attrNameLst>
+                                      </p:cBhvr>
+                                      <p:to>
+                                        <p:strVal val="visible"/>
+                                      </p:to>
+                                    </p:set>
+                                  </p:childTnLst>
+                                </p:cTn>
+                              </p:par>
+                            </p:childTnLst>
+                          </p:cTn>
+                        </p:par>
+                      </p:childTnLst>
+                    </p:cTn>
+                  </p:par>
+                  <p:par>
+                    <p:cTn id="7" fill="hold">
+                      <p:stCondLst>
+                        <p:cond delay="indefinite"/>
+                      </p:stCondLst>
+                      <p:childTnLst>
+                        <p:par>
+                          <p:cTn id="8" fill="hold">
+                            <p:stCondLst>
+                              <p:cond delay="0"/>
+                            </p:stCondLst>
+                            <p:childTnLst>
+                              <p:par>
+                                <p:cTn id="9" presetID="1" presetClass="entr" presetSubtype="0" fill="hold" grpId="0" nodeType="clickEffect">
+                                  <p:stCondLst>
+                                    <p:cond delay="0"/>
+                                  </p:stCondLst>
+                                  <p:childTnLst>
+                                    <p:set>
+                                      <p:cBhvr>
+                                        <p:cTn id="10" dur="1" fill="hold">
+                                          <p:stCondLst>
+                                            <p:cond delay="0"/>
+                                          </p:stCondLst>
+                                        </p:cTn>
+                                        <p:tgtEl>
+                                          <p:spTgt spid="7"/>
+                                        </p:tgtEl>
+                                        <p:attrNameLst>
+                                          <p:attrName>style.visibility</p:attrName>
+                                        </p:attrNameLst>
+                                      </p:cBhvr>
+                                      <p:to>
+                                        <p:strVal val="visible"/>
+                                      </p:to>
+                                    </p:set>
+                                  </p:childTnLst>
+                                </p:cTn>
+                              </p:par>
+                            </p:childTnLst>
+                          </p:cTn>
+                        </p:par>
+                      </p:childTnLst>
+                    </p:cTn>
+                  </p:par>
+                </p:childTnLst>
+              </p:cTn>
+              <p:prevCondLst>
+                <p:cond evt="onPrev" delay="0">
+                  <p:tgtEl>
+                    <p:sldTgt/>
+                  </p:tgtEl>
+                </p:cond>
+              </p:prevCondLst>
+              <p:nextCondLst>
+                <p:cond evt="onNext" delay="0">
+                  <p:tgtEl>
+                    <p:sldTgt/>
+                  </p:tgtEl>
+                </p:cond>
+              </p:nextCondLst>
+            </p:seq>
+          </p:childTnLst>
+        </p:cTn>
+      </p:par>
+    </p:tnLst>
+    <p:bldLst>
+      <p:bldP spid="6" grpId="0"/>
+      <p:bldP spid="7" grpId="0"/>
+    </p:bldLst>
+  </p:timing>
+</p:sld>
+</file>
+
+<file path=ppt/slides/slide28.xml><?xml version="1.0" encoding="utf-8"?>
+<p:sld xmlns:a="http://schemas.openxmlformats.org/drawingml/2006/main" xmlns:r="http://schemas.openxmlformats.org/officeDocument/2006/relationships" xmlns:p="http://schemas.openxmlformats.org/presentationml/2006/main">
+  <p:cSld>
+    <p:spTree>
+      <p:nvGrpSpPr>
+        <p:cNvPr id="1" name=""/>
+        <p:cNvGrpSpPr/>
+        <p:nvPr/>
+      </p:nvGrpSpPr>
+      <p:grpSpPr>
+        <a:xfrm>
+          <a:off x="0" y="0"/>
+          <a:ext cx="0" cy="0"/>
+          <a:chOff x="0" y="0"/>
+          <a:chExt cx="0" cy="0"/>
+        </a:xfrm>
+      </p:grpSpPr>
+      <p:sp>
+        <p:nvSpPr>
+          <p:cNvPr id="2" name="Title 1">
+            <a:extLst>
+              <a:ext uri="{FF2B5EF4-FFF2-40B4-BE49-F238E27FC236}">
+                <a16:creationId xmlns:a16="http://schemas.microsoft.com/office/drawing/2014/main" id="{5FE51741-C53F-6443-A9FA-C427987E1F39}"/>
+              </a:ext>
+            </a:extLst>
+          </p:cNvPr>
+          <p:cNvSpPr>
+            <a:spLocks noGrp="1"/>
+          </p:cNvSpPr>
+          <p:nvPr>
+            <p:ph type="title"/>
+          </p:nvPr>
+        </p:nvSpPr>
+        <p:spPr>
+          <a:xfrm>
+            <a:off x="1646238" y="371475"/>
+            <a:ext cx="8913812" cy="914400"/>
+          </a:xfrm>
+        </p:spPr>
+        <p:txBody>
+          <a:bodyPr rtlCol="0">
+            <a:normAutofit/>
+          </a:bodyPr>
+          <a:lstStyle/>
+          <a:p>
+            <a:pPr>
+              <a:defRPr/>
+            </a:pPr>
+            <a:r>
+              <a:rPr lang="en-US" dirty="0">
+                <a:ea typeface="+mj-ea"/>
+                <a:cs typeface="+mj-cs"/>
+              </a:rPr>
+              <a:t>Basic R data structures</a:t>
+            </a:r>
+          </a:p>
+        </p:txBody>
+      </p:sp>
+      <p:sp>
+        <p:nvSpPr>
+          <p:cNvPr id="3" name="TextBox 2">
+            <a:extLst>
+              <a:ext uri="{FF2B5EF4-FFF2-40B4-BE49-F238E27FC236}">
+                <a16:creationId xmlns:a16="http://schemas.microsoft.com/office/drawing/2014/main" id="{5AFFF0EF-DF3A-E443-A8E8-17AC5386661C}"/>
+              </a:ext>
+            </a:extLst>
+          </p:cNvPr>
+          <p:cNvSpPr txBox="1"/>
+          <p:nvPr/>
+        </p:nvSpPr>
+        <p:spPr>
+          <a:xfrm>
+            <a:off x="765287" y="1715108"/>
+            <a:ext cx="11038599" cy="461665"/>
+          </a:xfrm>
+          <a:prstGeom prst="rect">
+            <a:avLst/>
+          </a:prstGeom>
+          <a:noFill/>
+        </p:spPr>
+        <p:txBody>
+          <a:bodyPr wrap="none" rtlCol="0">
+            <a:spAutoFit/>
+          </a:bodyPr>
+          <a:lstStyle/>
+          <a:p>
+            <a:r>
+              <a:rPr lang="en-US" sz="2400" b="1" dirty="0"/>
+              <a:t>Lists: </a:t>
+            </a:r>
+            <a:r>
+              <a:rPr lang="en-US" sz="2400" dirty="0"/>
+              <a:t>has mixed data structures (e.g. numeric, character, matrices, </a:t>
+            </a:r>
+            <a:r>
+              <a:rPr lang="en-US" sz="2400" dirty="0" err="1"/>
+              <a:t>etc</a:t>
+            </a:r>
+            <a:r>
+              <a:rPr lang="en-US" sz="2400" dirty="0"/>
+              <a:t>…)</a:t>
+            </a:r>
+            <a:endParaRPr lang="en-US" sz="2400" b="1" dirty="0"/>
+          </a:p>
+        </p:txBody>
+      </p:sp>
+      <p:sp>
+        <p:nvSpPr>
+          <p:cNvPr id="4" name="Rectangle 3">
+            <a:extLst>
+              <a:ext uri="{FF2B5EF4-FFF2-40B4-BE49-F238E27FC236}">
+                <a16:creationId xmlns:a16="http://schemas.microsoft.com/office/drawing/2014/main" id="{ADAB20B9-DF91-C942-B2DC-330BBF53AED5}"/>
+              </a:ext>
+            </a:extLst>
+          </p:cNvPr>
+          <p:cNvSpPr/>
+          <p:nvPr/>
+        </p:nvSpPr>
+        <p:spPr>
+          <a:xfrm>
+            <a:off x="765287" y="2606006"/>
+            <a:ext cx="6096000" cy="3693319"/>
+          </a:xfrm>
+          <a:prstGeom prst="rect">
+            <a:avLst/>
+          </a:prstGeom>
+        </p:spPr>
+        <p:txBody>
+          <a:bodyPr>
+            <a:spAutoFit/>
+          </a:bodyPr>
+          <a:lstStyle/>
+          <a:p>
+            <a:r>
+              <a:rPr lang="en-US" dirty="0"/>
+              <a:t>&gt; </a:t>
+            </a:r>
+            <a:r>
+              <a:rPr lang="en-US" dirty="0" err="1"/>
+              <a:t>mylist</a:t>
+            </a:r>
+            <a:r>
+              <a:rPr lang="en-US" dirty="0"/>
+              <a:t> &lt;- list("one"=TRUE, "two"=1:10, "three"=matrix(1:6,nrow=2))</a:t>
+            </a:r>
+          </a:p>
+          <a:p>
+            <a:r>
+              <a:rPr lang="en-US" dirty="0"/>
+              <a:t>&gt; </a:t>
+            </a:r>
+            <a:r>
+              <a:rPr lang="en-US" dirty="0" err="1"/>
+              <a:t>mylist</a:t>
+            </a:r>
+            <a:endParaRPr lang="en-US" dirty="0"/>
+          </a:p>
+          <a:p>
+            <a:r>
+              <a:rPr lang="en-US" dirty="0"/>
+              <a:t>$one</a:t>
+            </a:r>
+          </a:p>
+          <a:p>
+            <a:r>
+              <a:rPr lang="en-US" dirty="0"/>
+              <a:t>[1] TRUE</a:t>
+            </a:r>
+          </a:p>
+          <a:p>
+            <a:endParaRPr lang="en-US" dirty="0"/>
+          </a:p>
+          <a:p>
+            <a:r>
+              <a:rPr lang="en-US" dirty="0"/>
+              <a:t>$two</a:t>
+            </a:r>
+          </a:p>
+          <a:p>
+            <a:r>
+              <a:rPr lang="en-US" dirty="0"/>
+              <a:t> [1]  1  2  3  4  5  6  7  8  9 10</a:t>
+            </a:r>
+          </a:p>
+          <a:p>
+            <a:endParaRPr lang="en-US" dirty="0"/>
+          </a:p>
+          <a:p>
+            <a:r>
+              <a:rPr lang="en-US" dirty="0"/>
+              <a:t>$three</a:t>
+            </a:r>
+          </a:p>
+          <a:p>
+            <a:r>
+              <a:rPr lang="en-US" dirty="0"/>
+              <a:t>     [,1] [,2] [,3]</a:t>
+            </a:r>
+          </a:p>
+          <a:p>
+            <a:r>
+              <a:rPr lang="en-US" dirty="0"/>
+              <a:t>[1,]    1    3    5</a:t>
+            </a:r>
+          </a:p>
+          <a:p>
+            <a:r>
+              <a:rPr lang="en-US" dirty="0"/>
+              <a:t>[2,]    2    4    6</a:t>
+            </a:r>
+          </a:p>
+        </p:txBody>
+      </p:sp>
+      <p:sp>
+        <p:nvSpPr>
+          <p:cNvPr id="5" name="TextBox 4">
+            <a:extLst>
+              <a:ext uri="{FF2B5EF4-FFF2-40B4-BE49-F238E27FC236}">
+                <a16:creationId xmlns:a16="http://schemas.microsoft.com/office/drawing/2014/main" id="{A3B042A5-E17E-E749-9377-DB854C79F956}"/>
+              </a:ext>
+            </a:extLst>
+          </p:cNvPr>
+          <p:cNvSpPr txBox="1"/>
+          <p:nvPr/>
+        </p:nvSpPr>
+        <p:spPr>
+          <a:xfrm>
+            <a:off x="6446423" y="2606006"/>
+            <a:ext cx="4113627" cy="1754326"/>
+          </a:xfrm>
+          <a:prstGeom prst="rect">
+            <a:avLst/>
+          </a:prstGeom>
+          <a:noFill/>
+        </p:spPr>
+        <p:txBody>
+          <a:bodyPr wrap="none" rtlCol="0">
+            <a:spAutoFit/>
+          </a:bodyPr>
+          <a:lstStyle/>
+          <a:p>
+            <a:r>
+              <a:rPr lang="en-US" dirty="0"/>
+              <a:t>&gt; </a:t>
+            </a:r>
+            <a:r>
+              <a:rPr lang="en-US" dirty="0" err="1"/>
+              <a:t>str</a:t>
+            </a:r>
+            <a:r>
+              <a:rPr lang="en-US" dirty="0"/>
+              <a:t>(</a:t>
+            </a:r>
+            <a:r>
+              <a:rPr lang="en-US" dirty="0" err="1"/>
+              <a:t>mylist</a:t>
+            </a:r>
+            <a:r>
+              <a:rPr lang="en-US" dirty="0"/>
+              <a:t>)</a:t>
+            </a:r>
+          </a:p>
+          <a:p>
+            <a:r>
+              <a:rPr lang="en-US" dirty="0"/>
+              <a:t>List of 3</a:t>
+            </a:r>
+          </a:p>
+          <a:p>
+            <a:r>
+              <a:rPr lang="en-US" dirty="0"/>
+              <a:t> $ one  : </a:t>
+            </a:r>
+            <a:r>
+              <a:rPr lang="en-US" dirty="0" err="1"/>
+              <a:t>logi</a:t>
+            </a:r>
+            <a:r>
+              <a:rPr lang="en-US" dirty="0"/>
+              <a:t> TRUE</a:t>
+            </a:r>
+          </a:p>
+          <a:p>
+            <a:r>
+              <a:rPr lang="en-US" dirty="0"/>
+              <a:t> $ two  : </a:t>
+            </a:r>
+            <a:r>
+              <a:rPr lang="en-US" dirty="0" err="1"/>
+              <a:t>int</a:t>
+            </a:r>
+            <a:r>
+              <a:rPr lang="en-US" dirty="0"/>
+              <a:t> [1:10] 1 2 3 4 5 6 7 8 9 10</a:t>
+            </a:r>
+          </a:p>
+          <a:p>
+            <a:r>
+              <a:rPr lang="en-US" dirty="0"/>
+              <a:t> $ three: </a:t>
+            </a:r>
+            <a:r>
+              <a:rPr lang="en-US" dirty="0" err="1"/>
+              <a:t>int</a:t>
+            </a:r>
+            <a:r>
+              <a:rPr lang="en-US" dirty="0"/>
+              <a:t> [1:2, 1:3] 1 2 3 4 5 6</a:t>
+            </a:r>
+          </a:p>
+          <a:p>
+            <a:endParaRPr lang="en-US" dirty="0"/>
+          </a:p>
+        </p:txBody>
+      </p:sp>
+    </p:spTree>
+    <p:extLst>
+      <p:ext uri="{BB962C8B-B14F-4D97-AF65-F5344CB8AC3E}">
+        <p14:creationId xmlns:p14="http://schemas.microsoft.com/office/powerpoint/2010/main" val="1033534644"/>
+      </p:ext>
+    </p:extLst>
+  </p:cSld>
+  <p:clrMapOvr>
+    <a:masterClrMapping/>
+  </p:clrMapOvr>
+</p:sld>
+</file>
+
+<file path=ppt/slides/slide29.xml><?xml version="1.0" encoding="utf-8"?>
+<p:sld xmlns:a="http://schemas.openxmlformats.org/drawingml/2006/main" xmlns:r="http://schemas.openxmlformats.org/officeDocument/2006/relationships" xmlns:p="http://schemas.openxmlformats.org/presentationml/2006/main">
+  <p:cSld>
+    <p:spTree>
+      <p:nvGrpSpPr>
+        <p:cNvPr id="1" name=""/>
+        <p:cNvGrpSpPr/>
+        <p:nvPr/>
+      </p:nvGrpSpPr>
+      <p:grpSpPr>
+        <a:xfrm>
+          <a:off x="0" y="0"/>
+          <a:ext cx="0" cy="0"/>
+          <a:chOff x="0" y="0"/>
+          <a:chExt cx="0" cy="0"/>
+        </a:xfrm>
+      </p:grpSpPr>
+      <p:sp>
+        <p:nvSpPr>
+          <p:cNvPr id="2" name="Title 1">
+            <a:extLst>
+              <a:ext uri="{FF2B5EF4-FFF2-40B4-BE49-F238E27FC236}">
+                <a16:creationId xmlns:a16="http://schemas.microsoft.com/office/drawing/2014/main" id="{5FE51741-C53F-6443-A9FA-C427987E1F39}"/>
+              </a:ext>
+            </a:extLst>
+          </p:cNvPr>
+          <p:cNvSpPr>
+            <a:spLocks noGrp="1"/>
+          </p:cNvSpPr>
+          <p:nvPr>
+            <p:ph type="title"/>
+          </p:nvPr>
+        </p:nvSpPr>
+        <p:spPr>
+          <a:xfrm>
+            <a:off x="1646238" y="371475"/>
+            <a:ext cx="8913812" cy="914400"/>
+          </a:xfrm>
+        </p:spPr>
+        <p:txBody>
+          <a:bodyPr rtlCol="0">
+            <a:normAutofit/>
+          </a:bodyPr>
+          <a:lstStyle/>
+          <a:p>
+            <a:pPr>
+              <a:defRPr/>
+            </a:pPr>
+            <a:r>
+              <a:rPr lang="en-US" dirty="0">
+                <a:ea typeface="+mj-ea"/>
+                <a:cs typeface="+mj-cs"/>
+              </a:rPr>
+              <a:t>Reading in Data</a:t>
+            </a:r>
+          </a:p>
+        </p:txBody>
+      </p:sp>
+      <p:sp>
+        <p:nvSpPr>
+          <p:cNvPr id="3" name="Content Placeholder 2">
+            <a:extLst>
+              <a:ext uri="{FF2B5EF4-FFF2-40B4-BE49-F238E27FC236}">
+                <a16:creationId xmlns:a16="http://schemas.microsoft.com/office/drawing/2014/main" id="{E52A40B6-A2A3-5145-9C3C-D94D678590C7}"/>
+              </a:ext>
+            </a:extLst>
+          </p:cNvPr>
+          <p:cNvSpPr>
+            <a:spLocks noGrp="1"/>
+          </p:cNvSpPr>
+          <p:nvPr>
+            <p:ph idx="1"/>
+          </p:nvPr>
+        </p:nvSpPr>
+        <p:spPr>
+          <a:xfrm>
+            <a:off x="1151964" y="1583017"/>
+            <a:ext cx="10806953" cy="4979148"/>
+          </a:xfrm>
+        </p:spPr>
+        <p:txBody>
+          <a:bodyPr rtlCol="0">
+            <a:noAutofit/>
+          </a:bodyPr>
+          <a:lstStyle/>
+          <a:p>
+            <a:pPr marL="0" indent="0">
+              <a:buNone/>
+              <a:defRPr/>
+            </a:pPr>
+            <a:r>
+              <a:rPr lang="en-US" sz="2400" b="1" i="1" dirty="0">
+                <a:solidFill>
+                  <a:schemeClr val="tx1"/>
+                </a:solidFill>
+                <a:ea typeface="+mn-ea"/>
+                <a:cs typeface="Century Gothic"/>
+              </a:rPr>
+              <a:t>Do not use spaces in filenames.  They are bad. Use underscores (“_”)</a:t>
+            </a:r>
+          </a:p>
+          <a:p>
+            <a:pPr marL="0" indent="0">
+              <a:buNone/>
+              <a:defRPr/>
+            </a:pPr>
+            <a:endParaRPr lang="en-US" sz="2400" b="1" i="1" dirty="0">
+              <a:solidFill>
+                <a:schemeClr val="tx1"/>
+              </a:solidFill>
+            </a:endParaRPr>
+          </a:p>
+          <a:p>
+            <a:pPr marL="0" indent="0">
+              <a:buNone/>
+              <a:defRPr/>
+            </a:pPr>
+            <a:r>
+              <a:rPr lang="en-US" sz="2400" b="1" dirty="0" err="1">
+                <a:solidFill>
+                  <a:schemeClr val="tx1"/>
+                </a:solidFill>
+                <a:ea typeface="+mn-ea"/>
+              </a:rPr>
+              <a:t>Read.csv</a:t>
+            </a:r>
+            <a:r>
+              <a:rPr lang="en-US" sz="2400" b="1" dirty="0">
+                <a:solidFill>
+                  <a:schemeClr val="tx1"/>
+                </a:solidFill>
+                <a:ea typeface="+mn-ea"/>
+              </a:rPr>
+              <a:t>(): </a:t>
+            </a:r>
+            <a:r>
+              <a:rPr lang="en-US" sz="2400" dirty="0">
+                <a:solidFill>
+                  <a:schemeClr val="tx1"/>
+                </a:solidFill>
+                <a:ea typeface="+mn-ea"/>
+              </a:rPr>
+              <a:t>reads in a comma-separated filename</a:t>
+            </a:r>
+            <a:endParaRPr lang="en-US" sz="2400" dirty="0">
+              <a:solidFill>
+                <a:schemeClr val="tx1"/>
+              </a:solidFill>
+            </a:endParaRPr>
+          </a:p>
+          <a:p>
+            <a:pPr marL="0" indent="0">
+              <a:buNone/>
+              <a:defRPr/>
+            </a:pPr>
+            <a:r>
+              <a:rPr lang="en-US" sz="2400" b="1" dirty="0" err="1">
+                <a:solidFill>
+                  <a:schemeClr val="tx1"/>
+                </a:solidFill>
+              </a:rPr>
+              <a:t>Read.table</a:t>
+            </a:r>
+            <a:r>
+              <a:rPr lang="en-US" sz="2400" b="1" dirty="0">
+                <a:solidFill>
+                  <a:schemeClr val="tx1"/>
+                </a:solidFill>
+              </a:rPr>
+              <a:t>: </a:t>
+            </a:r>
+            <a:r>
+              <a:rPr lang="en-US" sz="2400" dirty="0">
+                <a:solidFill>
+                  <a:schemeClr val="tx1"/>
+                </a:solidFill>
+              </a:rPr>
+              <a:t>can define </a:t>
+            </a:r>
+            <a:r>
+              <a:rPr lang="en-US" sz="2400" dirty="0" err="1">
+                <a:solidFill>
+                  <a:schemeClr val="tx1"/>
+                </a:solidFill>
+              </a:rPr>
+              <a:t>delimeters</a:t>
+            </a:r>
+            <a:r>
+              <a:rPr lang="en-US" sz="2400" dirty="0">
+                <a:solidFill>
+                  <a:schemeClr val="tx1"/>
+                </a:solidFill>
+              </a:rPr>
+              <a:t> (e.g. space, comma, semi-colon, tab, </a:t>
+            </a:r>
+            <a:r>
+              <a:rPr lang="en-US" sz="2400" dirty="0" err="1">
+                <a:solidFill>
+                  <a:schemeClr val="tx1"/>
+                </a:solidFill>
+              </a:rPr>
+              <a:t>etc</a:t>
+            </a:r>
+            <a:r>
+              <a:rPr lang="en-US" sz="2400" dirty="0">
+                <a:solidFill>
+                  <a:schemeClr val="tx1"/>
+                </a:solidFill>
+              </a:rPr>
+              <a:t>)</a:t>
+            </a:r>
+          </a:p>
+          <a:p>
+            <a:pPr marL="0" indent="0">
+              <a:buNone/>
+              <a:defRPr/>
+            </a:pPr>
+            <a:r>
+              <a:rPr lang="en-US" sz="2400" b="1" dirty="0">
+                <a:solidFill>
+                  <a:schemeClr val="tx1"/>
+                </a:solidFill>
+                <a:ea typeface="+mn-ea"/>
+              </a:rPr>
+              <a:t>Rio package: </a:t>
+            </a:r>
+            <a:r>
+              <a:rPr lang="en-US" sz="2400" dirty="0">
+                <a:solidFill>
+                  <a:schemeClr val="tx1"/>
+                </a:solidFill>
+                <a:ea typeface="+mn-ea"/>
+              </a:rPr>
+              <a:t>import()</a:t>
+            </a:r>
+          </a:p>
+          <a:p>
+            <a:pPr marL="0" indent="0">
+              <a:buNone/>
+              <a:defRPr/>
+            </a:pPr>
+            <a:endParaRPr lang="en-US" sz="2400" dirty="0">
+              <a:solidFill>
+                <a:schemeClr val="tx1"/>
+              </a:solidFill>
+            </a:endParaRPr>
+          </a:p>
+          <a:p>
+            <a:pPr marL="0" indent="0">
+              <a:buNone/>
+              <a:defRPr/>
+            </a:pPr>
+            <a:r>
+              <a:rPr lang="en-US" sz="2400" dirty="0">
+                <a:solidFill>
+                  <a:schemeClr val="tx1"/>
+                </a:solidFill>
+                <a:ea typeface="+mn-ea"/>
+              </a:rPr>
+              <a:t>These functions output a </a:t>
+            </a:r>
+            <a:r>
+              <a:rPr lang="en-US" sz="2400" dirty="0" err="1">
+                <a:solidFill>
+                  <a:schemeClr val="tx1"/>
+                </a:solidFill>
+                <a:ea typeface="+mn-ea"/>
+              </a:rPr>
+              <a:t>data.frame</a:t>
+            </a:r>
+            <a:r>
+              <a:rPr lang="en-US" sz="2400" dirty="0">
+                <a:solidFill>
+                  <a:schemeClr val="tx1"/>
+                </a:solidFill>
+              </a:rPr>
+              <a:t>()!</a:t>
+            </a:r>
+            <a:endParaRPr lang="en-US" sz="2400" dirty="0">
+              <a:solidFill>
+                <a:schemeClr val="tx1"/>
+              </a:solidFill>
+              <a:ea typeface="+mn-ea"/>
+            </a:endParaRPr>
+          </a:p>
+        </p:txBody>
+      </p:sp>
+    </p:spTree>
+    <p:extLst>
+      <p:ext uri="{BB962C8B-B14F-4D97-AF65-F5344CB8AC3E}">
+        <p14:creationId xmlns:p14="http://schemas.microsoft.com/office/powerpoint/2010/main" val="2060216132"/>
+      </p:ext>
+    </p:extLst>
+  </p:cSld>
+  <p:clrMapOvr>
+    <a:masterClrMapping/>
+  </p:clrMapOvr>
+</p:sld>
+</file>
+
+<file path=ppt/slides/slide3.xml><?xml version="1.0" encoding="utf-8"?>
+<p:sld xmlns:a="http://schemas.openxmlformats.org/drawingml/2006/main" xmlns:r="http://schemas.openxmlformats.org/officeDocument/2006/relationships" xmlns:p="http://schemas.openxmlformats.org/presentationml/2006/main">
+  <p:cSld>
+    <p:spTree>
+      <p:nvGrpSpPr>
+        <p:cNvPr id="1" name=""/>
+        <p:cNvGrpSpPr/>
+        <p:nvPr/>
+      </p:nvGrpSpPr>
+      <p:grpSpPr>
+        <a:xfrm>
+          <a:off x="0" y="0"/>
+          <a:ext cx="0" cy="0"/>
+          <a:chOff x="0" y="0"/>
+          <a:chExt cx="0" cy="0"/>
+        </a:xfrm>
+      </p:grpSpPr>
+      <p:sp>
+        <p:nvSpPr>
+          <p:cNvPr id="19457" name="Title 1">
+            <a:extLst>
+              <a:ext uri="{FF2B5EF4-FFF2-40B4-BE49-F238E27FC236}">
+                <a16:creationId xmlns:a16="http://schemas.microsoft.com/office/drawing/2014/main" id="{10CF9EDE-BB3C-914C-B7F2-4B242571A350}"/>
+              </a:ext>
+            </a:extLst>
+          </p:cNvPr>
+          <p:cNvSpPr>
+            <a:spLocks noGrp="1"/>
+          </p:cNvSpPr>
+          <p:nvPr>
+            <p:ph type="title"/>
+          </p:nvPr>
+        </p:nvSpPr>
+        <p:spPr>
+          <a:xfrm>
+            <a:off x="1646238" y="371475"/>
+            <a:ext cx="8913812" cy="914400"/>
+          </a:xfrm>
+        </p:spPr>
+        <p:txBody>
+          <a:bodyPr/>
+          <a:lstStyle/>
+          <a:p>
+            <a:pPr eaLnBrk="1" hangingPunct="1"/>
+            <a:r>
+              <a:rPr lang="en-US" altLang="en-US" sz="3200" dirty="0">
+                <a:ea typeface="ＭＳ Ｐゴシック" panose="020B0600070205080204" pitchFamily="34" charset="-128"/>
+              </a:rPr>
+              <a:t>Git</a:t>
+            </a:r>
+          </a:p>
+        </p:txBody>
+      </p:sp>
+      <p:sp>
+        <p:nvSpPr>
+          <p:cNvPr id="11" name="TextBox 10">
+            <a:extLst>
+              <a:ext uri="{FF2B5EF4-FFF2-40B4-BE49-F238E27FC236}">
+                <a16:creationId xmlns:a16="http://schemas.microsoft.com/office/drawing/2014/main" id="{EF431037-B66D-3B49-A662-2333E9707A75}"/>
+              </a:ext>
+            </a:extLst>
+          </p:cNvPr>
+          <p:cNvSpPr txBox="1"/>
+          <p:nvPr/>
+        </p:nvSpPr>
+        <p:spPr>
+          <a:xfrm>
+            <a:off x="739767" y="1756135"/>
+            <a:ext cx="10450476" cy="461665"/>
+          </a:xfrm>
+          <a:prstGeom prst="rect">
+            <a:avLst/>
+          </a:prstGeom>
+          <a:noFill/>
+        </p:spPr>
+        <p:txBody>
+          <a:bodyPr wrap="square" rtlCol="0">
+            <a:spAutoFit/>
+          </a:bodyPr>
+          <a:lstStyle/>
+          <a:p>
+            <a:r>
+              <a:rPr lang="en-US" sz="2400" dirty="0"/>
+              <a:t>Numerous software rely on Git: GitHub, GitLab, Bitbucket, etc.</a:t>
+            </a:r>
+          </a:p>
+        </p:txBody>
+      </p:sp>
+      <p:pic>
+        <p:nvPicPr>
+          <p:cNvPr id="3" name="Picture 2">
+            <a:extLst>
+              <a:ext uri="{FF2B5EF4-FFF2-40B4-BE49-F238E27FC236}">
+                <a16:creationId xmlns:a16="http://schemas.microsoft.com/office/drawing/2014/main" id="{B9475788-894E-D34F-A5FE-AD5789D0438D}"/>
+              </a:ext>
+            </a:extLst>
+          </p:cNvPr>
+          <p:cNvPicPr>
+            <a:picLocks noChangeAspect="1"/>
+          </p:cNvPicPr>
+          <p:nvPr/>
+        </p:nvPicPr>
+        <p:blipFill rotWithShape="1">
+          <a:blip r:embed="rId3"/>
+          <a:srcRect t="33741"/>
+          <a:stretch/>
+        </p:blipFill>
+        <p:spPr>
+          <a:xfrm>
+            <a:off x="1338667" y="2657553"/>
+            <a:ext cx="8181851" cy="2442882"/>
+          </a:xfrm>
+          <a:prstGeom prst="rect">
+            <a:avLst/>
+          </a:prstGeom>
+        </p:spPr>
+      </p:pic>
+      <p:sp>
+        <p:nvSpPr>
+          <p:cNvPr id="4" name="TextBox 3">
+            <a:extLst>
+              <a:ext uri="{FF2B5EF4-FFF2-40B4-BE49-F238E27FC236}">
+                <a16:creationId xmlns:a16="http://schemas.microsoft.com/office/drawing/2014/main" id="{C62F6243-2ABA-1F49-B1C6-0A0EA4306077}"/>
+              </a:ext>
+            </a:extLst>
+          </p:cNvPr>
+          <p:cNvSpPr txBox="1"/>
+          <p:nvPr/>
+        </p:nvSpPr>
+        <p:spPr>
+          <a:xfrm>
+            <a:off x="739767" y="5540188"/>
+            <a:ext cx="10402207" cy="830997"/>
+          </a:xfrm>
+          <a:prstGeom prst="rect">
+            <a:avLst/>
+          </a:prstGeom>
+          <a:noFill/>
+        </p:spPr>
+        <p:txBody>
+          <a:bodyPr wrap="none" rtlCol="0">
+            <a:spAutoFit/>
+          </a:bodyPr>
+          <a:lstStyle/>
+          <a:p>
+            <a:r>
+              <a:rPr lang="en-US" sz="2400" i="1" dirty="0"/>
+              <a:t>Let’s take a look at our GitLab repository for class</a:t>
+            </a:r>
+            <a:r>
+              <a:rPr lang="en-US" sz="2400" dirty="0"/>
+              <a:t>:</a:t>
+            </a:r>
+          </a:p>
+          <a:p>
+            <a:r>
+              <a:rPr lang="en-US" sz="2400" dirty="0"/>
+              <a:t>https://</a:t>
+            </a:r>
+            <a:r>
+              <a:rPr lang="en-US" sz="2400" dirty="0" err="1"/>
+              <a:t>code.bmi.osumc.edu</a:t>
+            </a:r>
+            <a:r>
+              <a:rPr lang="en-US" sz="2400" dirty="0"/>
+              <a:t>/mathe.5/OHSI_DataAnalytics_Aug2019</a:t>
+            </a:r>
+          </a:p>
+        </p:txBody>
+      </p:sp>
+    </p:spTree>
+    <p:extLst>
+      <p:ext uri="{BB962C8B-B14F-4D97-AF65-F5344CB8AC3E}">
+        <p14:creationId xmlns:p14="http://schemas.microsoft.com/office/powerpoint/2010/main" val="2230296017"/>
+      </p:ext>
+    </p:extLst>
+  </p:cSld>
+  <p:clrMapOvr>
+    <a:masterClrMapping/>
+  </p:clrMapOvr>
+  <p:timing>
+    <p:tnLst>
+      <p:par>
+        <p:cTn id="1" dur="indefinite" restart="never" nodeType="tmRoot">
+          <p:childTnLst>
+            <p:seq concurrent="1" nextAc="seek">
+              <p:cTn id="2" dur="indefinite" nodeType="mainSeq">
+                <p:childTnLst>
+                  <p:par>
+                    <p:cTn id="3" fill="hold">
+                      <p:stCondLst>
+                        <p:cond delay="indefinite"/>
+                      </p:stCondLst>
+                      <p:childTnLst>
+                        <p:par>
+                          <p:cTn id="4" fill="hold">
+                            <p:stCondLst>
+                              <p:cond delay="0"/>
+                            </p:stCondLst>
+                            <p:childTnLst>
+                              <p:par>
+                                <p:cTn id="5" presetID="1" presetClass="entr" presetSubtype="0" fill="hold" grpId="0" nodeType="clickEffect">
+                                  <p:stCondLst>
+                                    <p:cond delay="0"/>
+                                  </p:stCondLst>
+                                  <p:childTnLst>
+                                    <p:set>
+                                      <p:cBhvr>
+                                        <p:cTn id="6" dur="1" fill="hold">
+                                          <p:stCondLst>
+                                            <p:cond delay="0"/>
+                                          </p:stCondLst>
+                                        </p:cTn>
+                                        <p:tgtEl>
+                                          <p:spTgt spid="4"/>
+                                        </p:tgtEl>
+                                        <p:attrNameLst>
+                                          <p:attrName>style.visibility</p:attrName>
+                                        </p:attrNameLst>
+                                      </p:cBhvr>
+                                      <p:to>
+                                        <p:strVal val="visible"/>
+                                      </p:to>
+                                    </p:set>
+                                  </p:childTnLst>
+                                </p:cTn>
+                              </p:par>
+                            </p:childTnLst>
+                          </p:cTn>
+                        </p:par>
+                      </p:childTnLst>
+                    </p:cTn>
+                  </p:par>
+                </p:childTnLst>
+              </p:cTn>
+              <p:prevCondLst>
+                <p:cond evt="onPrev" delay="0">
+                  <p:tgtEl>
+                    <p:sldTgt/>
+                  </p:tgtEl>
+                </p:cond>
+              </p:prevCondLst>
+              <p:nextCondLst>
+                <p:cond evt="onNext" delay="0">
+                  <p:tgtEl>
+                    <p:sldTgt/>
+                  </p:tgtEl>
+                </p:cond>
+              </p:nextCondLst>
+            </p:seq>
+          </p:childTnLst>
+        </p:cTn>
+      </p:par>
+    </p:tnLst>
+    <p:bldLst>
+      <p:bldP spid="4" grpId="0"/>
+    </p:bldLst>
+  </p:timing>
+</p:sld>
+</file>
+
+<file path=ppt/slides/slide30.xml><?xml version="1.0" encoding="utf-8"?>
+<p:sld xmlns:a="http://schemas.openxmlformats.org/drawingml/2006/main" xmlns:r="http://schemas.openxmlformats.org/officeDocument/2006/relationships" xmlns:p="http://schemas.openxmlformats.org/presentationml/2006/main">
+  <p:cSld>
+    <p:spTree>
+      <p:nvGrpSpPr>
+        <p:cNvPr id="1" name=""/>
+        <p:cNvGrpSpPr/>
+        <p:nvPr/>
+      </p:nvGrpSpPr>
+      <p:grpSpPr>
+        <a:xfrm>
+          <a:off x="0" y="0"/>
+          <a:ext cx="0" cy="0"/>
+          <a:chOff x="0" y="0"/>
+          <a:chExt cx="0" cy="0"/>
+        </a:xfrm>
+      </p:grpSpPr>
+      <p:sp>
+        <p:nvSpPr>
           <p:cNvPr id="19457" name="Title 1"/>
           <p:cNvSpPr>
             <a:spLocks noGrp="1"/>
@@ -23760,267 +28258,6 @@
     </p:tnLst>
     <p:bldLst>
       <p:bldP spid="2" grpId="0"/>
-    </p:bldLst>
-  </p:timing>
-</p:sld>
-</file>
-
-<file path=ppt/slides/slide3.xml><?xml version="1.0" encoding="utf-8"?>
-<p:sld xmlns:a="http://schemas.openxmlformats.org/drawingml/2006/main" xmlns:r="http://schemas.openxmlformats.org/officeDocument/2006/relationships" xmlns:p="http://schemas.openxmlformats.org/presentationml/2006/main">
-  <p:cSld>
-    <p:spTree>
-      <p:nvGrpSpPr>
-        <p:cNvPr id="1" name=""/>
-        <p:cNvGrpSpPr/>
-        <p:nvPr/>
-      </p:nvGrpSpPr>
-      <p:grpSpPr>
-        <a:xfrm>
-          <a:off x="0" y="0"/>
-          <a:ext cx="0" cy="0"/>
-          <a:chOff x="0" y="0"/>
-          <a:chExt cx="0" cy="0"/>
-        </a:xfrm>
-      </p:grpSpPr>
-      <p:sp>
-        <p:nvSpPr>
-          <p:cNvPr id="19457" name="Title 1">
-            <a:extLst>
-              <a:ext uri="{FF2B5EF4-FFF2-40B4-BE49-F238E27FC236}">
-                <a16:creationId xmlns:a16="http://schemas.microsoft.com/office/drawing/2014/main" id="{10CF9EDE-BB3C-914C-B7F2-4B242571A350}"/>
-              </a:ext>
-            </a:extLst>
-          </p:cNvPr>
-          <p:cNvSpPr>
-            <a:spLocks noGrp="1"/>
-          </p:cNvSpPr>
-          <p:nvPr>
-            <p:ph type="title"/>
-          </p:nvPr>
-        </p:nvSpPr>
-        <p:spPr>
-          <a:xfrm>
-            <a:off x="1646238" y="371475"/>
-            <a:ext cx="8913812" cy="914400"/>
-          </a:xfrm>
-        </p:spPr>
-        <p:txBody>
-          <a:bodyPr/>
-          <a:lstStyle/>
-          <a:p>
-            <a:pPr eaLnBrk="1" hangingPunct="1"/>
-            <a:r>
-              <a:rPr lang="en-US" altLang="en-US" sz="3200" dirty="0">
-                <a:ea typeface="ＭＳ Ｐゴシック" panose="020B0600070205080204" pitchFamily="34" charset="-128"/>
-              </a:rPr>
-              <a:t>Git</a:t>
-            </a:r>
-          </a:p>
-        </p:txBody>
-      </p:sp>
-      <p:sp>
-        <p:nvSpPr>
-          <p:cNvPr id="11" name="TextBox 10">
-            <a:extLst>
-              <a:ext uri="{FF2B5EF4-FFF2-40B4-BE49-F238E27FC236}">
-                <a16:creationId xmlns:a16="http://schemas.microsoft.com/office/drawing/2014/main" id="{EF431037-B66D-3B49-A662-2333E9707A75}"/>
-              </a:ext>
-            </a:extLst>
-          </p:cNvPr>
-          <p:cNvSpPr txBox="1"/>
-          <p:nvPr/>
-        </p:nvSpPr>
-        <p:spPr>
-          <a:xfrm>
-            <a:off x="739767" y="1756135"/>
-            <a:ext cx="10450476" cy="461665"/>
-          </a:xfrm>
-          <a:prstGeom prst="rect">
-            <a:avLst/>
-          </a:prstGeom>
-          <a:noFill/>
-        </p:spPr>
-        <p:txBody>
-          <a:bodyPr wrap="square" rtlCol="0">
-            <a:spAutoFit/>
-          </a:bodyPr>
-          <a:lstStyle/>
-          <a:p>
-            <a:r>
-              <a:rPr lang="en-US" sz="2400" dirty="0"/>
-              <a:t>Numerous software rely on Git: GitHub, GitLab, Bitbucket, etc.</a:t>
-            </a:r>
-          </a:p>
-        </p:txBody>
-      </p:sp>
-      <p:pic>
-        <p:nvPicPr>
-          <p:cNvPr id="3" name="Picture 2">
-            <a:extLst>
-              <a:ext uri="{FF2B5EF4-FFF2-40B4-BE49-F238E27FC236}">
-                <a16:creationId xmlns:a16="http://schemas.microsoft.com/office/drawing/2014/main" id="{B9475788-894E-D34F-A5FE-AD5789D0438D}"/>
-              </a:ext>
-            </a:extLst>
-          </p:cNvPr>
-          <p:cNvPicPr>
-            <a:picLocks noChangeAspect="1"/>
-          </p:cNvPicPr>
-          <p:nvPr/>
-        </p:nvPicPr>
-        <p:blipFill rotWithShape="1">
-          <a:blip r:embed="rId3"/>
-          <a:srcRect t="33741"/>
-          <a:stretch/>
-        </p:blipFill>
-        <p:spPr>
-          <a:xfrm>
-            <a:off x="1338667" y="2657553"/>
-            <a:ext cx="8181851" cy="2442882"/>
-          </a:xfrm>
-          <a:prstGeom prst="rect">
-            <a:avLst/>
-          </a:prstGeom>
-        </p:spPr>
-      </p:pic>
-      <p:sp>
-        <p:nvSpPr>
-          <p:cNvPr id="4" name="TextBox 3">
-            <a:extLst>
-              <a:ext uri="{FF2B5EF4-FFF2-40B4-BE49-F238E27FC236}">
-                <a16:creationId xmlns:a16="http://schemas.microsoft.com/office/drawing/2014/main" id="{C62F6243-2ABA-1F49-B1C6-0A0EA4306077}"/>
-              </a:ext>
-            </a:extLst>
-          </p:cNvPr>
-          <p:cNvSpPr txBox="1"/>
-          <p:nvPr/>
-        </p:nvSpPr>
-        <p:spPr>
-          <a:xfrm>
-            <a:off x="739767" y="5540188"/>
-            <a:ext cx="10402207" cy="830997"/>
-          </a:xfrm>
-          <a:prstGeom prst="rect">
-            <a:avLst/>
-          </a:prstGeom>
-          <a:noFill/>
-        </p:spPr>
-        <p:txBody>
-          <a:bodyPr wrap="none" rtlCol="0">
-            <a:spAutoFit/>
-          </a:bodyPr>
-          <a:lstStyle/>
-          <a:p>
-            <a:r>
-              <a:rPr lang="en-US" sz="2400" i="1" dirty="0"/>
-              <a:t>Let’s take a look at our GitLab repository for class</a:t>
-            </a:r>
-            <a:r>
-              <a:rPr lang="en-US" sz="2400" dirty="0"/>
-              <a:t>:</a:t>
-            </a:r>
-          </a:p>
-          <a:p>
-            <a:r>
-              <a:rPr lang="en-US" sz="2400" dirty="0"/>
-              <a:t>https://</a:t>
-            </a:r>
-            <a:r>
-              <a:rPr lang="en-US" sz="2400" dirty="0" err="1"/>
-              <a:t>code.bmi.osumc.edu</a:t>
-            </a:r>
-            <a:r>
-              <a:rPr lang="en-US" sz="2400" dirty="0"/>
-              <a:t>/mathe.5/OHSI_DataAnalytics_Aug2019</a:t>
-            </a:r>
-          </a:p>
-        </p:txBody>
-      </p:sp>
-    </p:spTree>
-    <p:extLst>
-      <p:ext uri="{BB962C8B-B14F-4D97-AF65-F5344CB8AC3E}">
-        <p14:creationId xmlns:p14="http://schemas.microsoft.com/office/powerpoint/2010/main" val="2230296017"/>
-      </p:ext>
-    </p:extLst>
-  </p:cSld>
-  <p:clrMapOvr>
-    <a:masterClrMapping/>
-  </p:clrMapOvr>
-  <p:timing>
-    <p:tnLst>
-      <p:par>
-        <p:cTn id="1" dur="indefinite" restart="never" nodeType="tmRoot">
-          <p:childTnLst>
-            <p:seq concurrent="1" nextAc="seek">
-              <p:cTn id="2" dur="indefinite" nodeType="mainSeq">
-                <p:childTnLst>
-                  <p:par>
-                    <p:cTn id="3" fill="hold">
-                      <p:stCondLst>
-                        <p:cond delay="indefinite"/>
-                      </p:stCondLst>
-                      <p:childTnLst>
-                        <p:par>
-                          <p:cTn id="4" fill="hold">
-                            <p:stCondLst>
-                              <p:cond delay="0"/>
-                            </p:stCondLst>
-                            <p:childTnLst>
-                              <p:par>
-                                <p:cTn id="5" presetID="1" presetClass="entr" presetSubtype="0" fill="hold" grpId="0" nodeType="clickEffect">
-                                  <p:stCondLst>
-                                    <p:cond delay="0"/>
-                                  </p:stCondLst>
-                                  <p:childTnLst>
-                                    <p:set>
-                                      <p:cBhvr>
-                                        <p:cTn id="6" dur="1" fill="hold">
-                                          <p:stCondLst>
-                                            <p:cond delay="0"/>
-                                          </p:stCondLst>
-                                        </p:cTn>
-                                        <p:tgtEl>
-                                          <p:spTgt spid="4"/>
-                                        </p:tgtEl>
-                                        <p:attrNameLst>
-                                          <p:attrName>style.visibility</p:attrName>
-                                        </p:attrNameLst>
-                                      </p:cBhvr>
-                                      <p:to>
-                                        <p:strVal val="visible"/>
-                                      </p:to>
-                                    </p:set>
-                                  </p:childTnLst>
-                                </p:cTn>
-                              </p:par>
-                            </p:childTnLst>
-                          </p:cTn>
-                        </p:par>
-                      </p:childTnLst>
-                    </p:cTn>
-                  </p:par>
-                </p:childTnLst>
-              </p:cTn>
-              <p:prevCondLst>
-                <p:cond evt="onPrev" delay="0">
-                  <p:tgtEl>
-                    <p:sldTgt/>
-                  </p:tgtEl>
-                </p:cond>
-              </p:prevCondLst>
-              <p:nextCondLst>
-                <p:cond evt="onNext" delay="0">
-                  <p:tgtEl>
-                    <p:sldTgt/>
-                  </p:tgtEl>
-                </p:cond>
-              </p:nextCondLst>
-            </p:seq>
-          </p:childTnLst>
-        </p:cTn>
-      </p:par>
-    </p:tnLst>
-    <p:bldLst>
-      <p:bldP spid="4" grpId="0"/>
     </p:bldLst>
   </p:timing>
 </p:sld>
@@ -27642,7 +31879,7 @@
           </a:ln>
           <a:extLst>
             <a:ext uri="{91240B29-F687-4f45-9708-019B960494DF}">
-              <a14:hiddenLine xmlns="" xmlns:a14="http://schemas.microsoft.com/office/drawing/2010/main" w="9525">
+              <a14:hiddenLine xmlns:a14="http://schemas.microsoft.com/office/drawing/2010/main" xmlns="" w="9525">
                 <a:solidFill>
                   <a:srgbClr val="000000"/>
                 </a:solidFill>

--- a/Lectures/OHSI_DataAnalytics_LookingAtData_R_Git.pptx
+++ b/Lectures/OHSI_DataAnalytics_LookingAtData_R_Git.pptx
@@ -18686,6 +18686,36 @@
           </a:extLst>
         </p:spPr>
       </p:pic>
+      <p:pic>
+        <p:nvPicPr>
+          <p:cNvPr id="3" name="Picture 2">
+            <a:extLst>
+              <a:ext uri="{FF2B5EF4-FFF2-40B4-BE49-F238E27FC236}">
+                <a16:creationId xmlns:a16="http://schemas.microsoft.com/office/drawing/2014/main" id="{8EF65CBA-6BBE-8A4B-83E8-B103B96E3F01}"/>
+              </a:ext>
+            </a:extLst>
+          </p:cNvPr>
+          <p:cNvPicPr>
+            <a:picLocks noChangeAspect="1"/>
+          </p:cNvPicPr>
+          <p:nvPr/>
+        </p:nvPicPr>
+        <p:blipFill>
+          <a:blip r:embed="rId4"/>
+          <a:stretch>
+            <a:fillRect/>
+          </a:stretch>
+        </p:blipFill>
+        <p:spPr>
+          <a:xfrm>
+            <a:off x="9376228" y="4705747"/>
+            <a:ext cx="2668519" cy="1441000"/>
+          </a:xfrm>
+          <a:prstGeom prst="rect">
+            <a:avLst/>
+          </a:prstGeom>
+        </p:spPr>
+      </p:pic>
     </p:spTree>
     <p:extLst>
       <p:ext uri="{BB962C8B-B14F-4D97-AF65-F5344CB8AC3E}">
@@ -19555,14 +19585,14 @@
           <a:effectLst/>
           <a:extLst>
             <a:ext uri="{909E8E84-426E-40dd-AFC4-6F175D3DCCD1}">
-              <a14:hiddenFill xmlns:a14="http://schemas.microsoft.com/office/drawing/2010/main" xmlns="">
+              <a14:hiddenFill xmlns="" xmlns:a14="http://schemas.microsoft.com/office/drawing/2010/main">
                 <a:solidFill>
                   <a:schemeClr val="accent1"/>
                 </a:solidFill>
               </a14:hiddenFill>
             </a:ext>
             <a:ext uri="{91240B29-F687-4f45-9708-019B960494DF}">
-              <a14:hiddenLine xmlns:a14="http://schemas.microsoft.com/office/drawing/2010/main" xmlns="" w="9525">
+              <a14:hiddenLine xmlns="" xmlns:a14="http://schemas.microsoft.com/office/drawing/2010/main" w="9525">
                 <a:solidFill>
                   <a:schemeClr val="tx1"/>
                 </a:solidFill>
@@ -19572,7 +19602,7 @@
               </a14:hiddenLine>
             </a:ext>
             <a:ext uri="{AF507438-7753-43e0-B8FC-AC1667EBCBE1}">
-              <a14:hiddenEffects xmlns:a14="http://schemas.microsoft.com/office/drawing/2010/main" xmlns="">
+              <a14:hiddenEffects xmlns="" xmlns:a14="http://schemas.microsoft.com/office/drawing/2010/main">
                 <a:effectLst>
                   <a:outerShdw blurRad="63500" dist="38099" dir="2700000" algn="ctr" rotWithShape="0">
                     <a:schemeClr val="bg2">
@@ -19665,14 +19695,14 @@
           </a:ln>
           <a:extLst>
             <a:ext uri="{909E8E84-426E-40dd-AFC4-6F175D3DCCD1}">
-              <a14:hiddenFill xmlns:a14="http://schemas.microsoft.com/office/drawing/2010/main" xmlns="">
+              <a14:hiddenFill xmlns="" xmlns:a14="http://schemas.microsoft.com/office/drawing/2010/main">
                 <a:solidFill>
                   <a:srgbClr val="FFFFFF"/>
                 </a:solidFill>
               </a14:hiddenFill>
             </a:ext>
             <a:ext uri="{91240B29-F687-4f45-9708-019B960494DF}">
-              <a14:hiddenLine xmlns:a14="http://schemas.microsoft.com/office/drawing/2010/main" xmlns="" w="9525">
+              <a14:hiddenLine xmlns="" xmlns:a14="http://schemas.microsoft.com/office/drawing/2010/main" w="9525">
                 <a:solidFill>
                   <a:srgbClr val="000000"/>
                 </a:solidFill>
@@ -19820,14 +19850,14 @@
           <a:effectLst/>
           <a:extLst>
             <a:ext uri="{909E8E84-426E-40dd-AFC4-6F175D3DCCD1}">
-              <a14:hiddenFill xmlns:a14="http://schemas.microsoft.com/office/drawing/2010/main" xmlns="">
+              <a14:hiddenFill xmlns="" xmlns:a14="http://schemas.microsoft.com/office/drawing/2010/main">
                 <a:solidFill>
                   <a:schemeClr val="accent1"/>
                 </a:solidFill>
               </a14:hiddenFill>
             </a:ext>
             <a:ext uri="{91240B29-F687-4f45-9708-019B960494DF}">
-              <a14:hiddenLine xmlns:a14="http://schemas.microsoft.com/office/drawing/2010/main" xmlns="" w="9525">
+              <a14:hiddenLine xmlns="" xmlns:a14="http://schemas.microsoft.com/office/drawing/2010/main" w="9525">
                 <a:solidFill>
                   <a:schemeClr val="tx1"/>
                 </a:solidFill>
@@ -19837,7 +19867,7 @@
               </a14:hiddenLine>
             </a:ext>
             <a:ext uri="{AF507438-7753-43e0-B8FC-AC1667EBCBE1}">
-              <a14:hiddenEffects xmlns:a14="http://schemas.microsoft.com/office/drawing/2010/main" xmlns="">
+              <a14:hiddenEffects xmlns="" xmlns:a14="http://schemas.microsoft.com/office/drawing/2010/main">
                 <a:effectLst>
                   <a:outerShdw blurRad="63500" dist="38099" dir="2700000" algn="ctr" rotWithShape="0">
                     <a:schemeClr val="bg2">
@@ -19948,14 +19978,14 @@
           <a:effectLst/>
           <a:extLst>
             <a:ext uri="{909E8E84-426E-40dd-AFC4-6F175D3DCCD1}">
-              <a14:hiddenFill xmlns:a14="http://schemas.microsoft.com/office/drawing/2010/main" xmlns="">
+              <a14:hiddenFill xmlns="" xmlns:a14="http://schemas.microsoft.com/office/drawing/2010/main">
                 <a:solidFill>
                   <a:schemeClr val="accent1"/>
                 </a:solidFill>
               </a14:hiddenFill>
             </a:ext>
             <a:ext uri="{91240B29-F687-4f45-9708-019B960494DF}">
-              <a14:hiddenLine xmlns:a14="http://schemas.microsoft.com/office/drawing/2010/main" xmlns="" w="9525">
+              <a14:hiddenLine xmlns="" xmlns:a14="http://schemas.microsoft.com/office/drawing/2010/main" w="9525">
                 <a:solidFill>
                   <a:schemeClr val="tx1"/>
                 </a:solidFill>
@@ -19965,7 +19995,7 @@
               </a14:hiddenLine>
             </a:ext>
             <a:ext uri="{AF507438-7753-43e0-B8FC-AC1667EBCBE1}">
-              <a14:hiddenEffects xmlns:a14="http://schemas.microsoft.com/office/drawing/2010/main" xmlns="">
+              <a14:hiddenEffects xmlns="" xmlns:a14="http://schemas.microsoft.com/office/drawing/2010/main">
                 <a:effectLst>
                   <a:outerShdw blurRad="63500" dist="38099" dir="2700000" algn="ctr" rotWithShape="0">
                     <a:schemeClr val="bg2">
@@ -20278,14 +20308,14 @@
           <a:effectLst/>
           <a:extLst>
             <a:ext uri="{909E8E84-426E-40dd-AFC4-6F175D3DCCD1}">
-              <a14:hiddenFill xmlns:a14="http://schemas.microsoft.com/office/drawing/2010/main" xmlns="">
+              <a14:hiddenFill xmlns="" xmlns:a14="http://schemas.microsoft.com/office/drawing/2010/main">
                 <a:solidFill>
                   <a:schemeClr val="accent1"/>
                 </a:solidFill>
               </a14:hiddenFill>
             </a:ext>
             <a:ext uri="{91240B29-F687-4f45-9708-019B960494DF}">
-              <a14:hiddenLine xmlns:a14="http://schemas.microsoft.com/office/drawing/2010/main" xmlns="" w="9525">
+              <a14:hiddenLine xmlns="" xmlns:a14="http://schemas.microsoft.com/office/drawing/2010/main" w="9525">
                 <a:solidFill>
                   <a:schemeClr val="tx1"/>
                 </a:solidFill>
@@ -20295,7 +20325,7 @@
               </a14:hiddenLine>
             </a:ext>
             <a:ext uri="{AF507438-7753-43e0-B8FC-AC1667EBCBE1}">
-              <a14:hiddenEffects xmlns:a14="http://schemas.microsoft.com/office/drawing/2010/main" xmlns="">
+              <a14:hiddenEffects xmlns="" xmlns:a14="http://schemas.microsoft.com/office/drawing/2010/main">
                 <a:effectLst>
                   <a:outerShdw blurRad="63500" dist="38099" dir="2700000" algn="ctr" rotWithShape="0">
                     <a:schemeClr val="bg2">
@@ -21689,14 +21719,14 @@
           </a:ln>
           <a:extLst>
             <a:ext uri="{909E8E84-426E-40dd-AFC4-6F175D3DCCD1}">
-              <a14:hiddenFill xmlns:a14="http://schemas.microsoft.com/office/drawing/2010/main" xmlns="">
+              <a14:hiddenFill xmlns="" xmlns:a14="http://schemas.microsoft.com/office/drawing/2010/main">
                 <a:solidFill>
                   <a:srgbClr val="FFFFFF"/>
                 </a:solidFill>
               </a14:hiddenFill>
             </a:ext>
             <a:ext uri="{91240B29-F687-4f45-9708-019B960494DF}">
-              <a14:hiddenLine xmlns:a14="http://schemas.microsoft.com/office/drawing/2010/main" xmlns="" w="9525">
+              <a14:hiddenLine xmlns="" xmlns:a14="http://schemas.microsoft.com/office/drawing/2010/main" w="9525">
                 <a:solidFill>
                   <a:srgbClr val="000000"/>
                 </a:solidFill>
@@ -21706,7 +21736,7 @@
               </a14:hiddenLine>
             </a:ext>
             <a:ext uri="{FAA26D3D-D897-4be2-8F04-BA451C77F1D7}">
-              <ma14:placeholderFlag xmlns:ma14="http://schemas.microsoft.com/office/mac/drawingml/2011/main" xmlns="" val="1"/>
+              <ma14:placeholderFlag xmlns="" xmlns:ma14="http://schemas.microsoft.com/office/mac/drawingml/2011/main" val="1"/>
             </a:ext>
           </a:extLst>
         </p:spPr>
@@ -31879,7 +31909,7 @@
           </a:ln>
           <a:extLst>
             <a:ext uri="{91240B29-F687-4f45-9708-019B960494DF}">
-              <a14:hiddenLine xmlns:a14="http://schemas.microsoft.com/office/drawing/2010/main" xmlns="" w="9525">
+              <a14:hiddenLine xmlns="" xmlns:a14="http://schemas.microsoft.com/office/drawing/2010/main" w="9525">
                 <a:solidFill>
                   <a:srgbClr val="000000"/>
                 </a:solidFill>
